--- a/Main/Docs/AddressBookDemo.pptx
+++ b/Main/Docs/AddressBookDemo.pptx
@@ -5,7 +5,7 @@
     <p:sldMasterId id="2147483658" r:id="rId2"/>
   </p:sldMasterIdLst>
   <p:notesMasterIdLst>
-    <p:notesMasterId r:id="rId13"/>
+    <p:notesMasterId r:id="rId16"/>
   </p:notesMasterIdLst>
   <p:sldIdLst>
     <p:sldId id="256" r:id="rId3"/>
@@ -17,7 +17,10 @@
     <p:sldId id="262" r:id="rId9"/>
     <p:sldId id="263" r:id="rId10"/>
     <p:sldId id="265" r:id="rId11"/>
-    <p:sldId id="264" r:id="rId12"/>
+    <p:sldId id="266" r:id="rId12"/>
+    <p:sldId id="267" r:id="rId13"/>
+    <p:sldId id="264" r:id="rId14"/>
+    <p:sldId id="268" r:id="rId15"/>
   </p:sldIdLst>
   <p:sldSz cx="9144000" cy="6858000" type="screen4x3"/>
   <p:notesSz cx="6858000" cy="9144000"/>
@@ -116,6 +119,22 @@
       </a:defRPr>
     </a:lvl9pPr>
   </p:defaultTextStyle>
+  <p:extLst>
+    <p:ext uri="{EFAFB233-063F-42B5-8137-9DF3F51BA10A}">
+      <p15:sldGuideLst xmlns:p15="http://schemas.microsoft.com/office/powerpoint/2012/main">
+        <p15:guide id="1" orient="horz" pos="2160">
+          <p15:clr>
+            <a:srgbClr val="A4A3A4"/>
+          </p15:clr>
+        </p15:guide>
+        <p15:guide id="2" pos="2880">
+          <p15:clr>
+            <a:srgbClr val="A4A3A4"/>
+          </p15:clr>
+        </p15:guide>
+      </p15:sldGuideLst>
+    </p:ext>
+  </p:extLst>
 </p:presentation>
 </file>
 
@@ -549,6 +568,11 @@
         </p:txBody>
       </p:sp>
     </p:spTree>
+    <p:extLst>
+      <p:ext uri="{BB962C8B-B14F-4D97-AF65-F5344CB8AC3E}">
+        <p14:creationId xmlns:p14="http://schemas.microsoft.com/office/powerpoint/2010/main" val="123405999"/>
+      </p:ext>
+    </p:extLst>
   </p:cSld>
   <p:clrMapOvr>
     <a:masterClrMapping/>
@@ -631,6 +655,272 @@
         </p:txBody>
       </p:sp>
     </p:spTree>
+    <p:extLst>
+      <p:ext uri="{BB962C8B-B14F-4D97-AF65-F5344CB8AC3E}">
+        <p14:creationId xmlns:p14="http://schemas.microsoft.com/office/powerpoint/2010/main" val="3442177324"/>
+      </p:ext>
+    </p:extLst>
+  </p:cSld>
+  <p:clrMapOvr>
+    <a:masterClrMapping/>
+  </p:clrMapOvr>
+</p:notes>
+</file>
+
+<file path=ppt/notesSlides/notesSlide11.xml><?xml version="1.0" encoding="utf-8"?>
+<p:notes xmlns:a="http://schemas.openxmlformats.org/drawingml/2006/main" xmlns:r="http://schemas.openxmlformats.org/officeDocument/2006/relationships" xmlns:p="http://schemas.openxmlformats.org/presentationml/2006/main">
+  <p:cSld>
+    <p:spTree>
+      <p:nvGrpSpPr>
+        <p:cNvPr id="1" name=""/>
+        <p:cNvGrpSpPr/>
+        <p:nvPr/>
+      </p:nvGrpSpPr>
+      <p:grpSpPr>
+        <a:xfrm>
+          <a:off x="0" y="0"/>
+          <a:ext cx="0" cy="0"/>
+          <a:chOff x="0" y="0"/>
+          <a:chExt cx="0" cy="0"/>
+        </a:xfrm>
+      </p:grpSpPr>
+      <p:sp>
+        <p:nvSpPr>
+          <p:cNvPr id="2" name="Slide Image Placeholder 1"/>
+          <p:cNvSpPr>
+            <a:spLocks noGrp="1" noRot="1" noChangeAspect="1"/>
+          </p:cNvSpPr>
+          <p:nvPr>
+            <p:ph type="sldImg"/>
+          </p:nvPr>
+        </p:nvSpPr>
+        <p:spPr/>
+      </p:sp>
+      <p:sp>
+        <p:nvSpPr>
+          <p:cNvPr id="3" name="Notes Placeholder 2"/>
+          <p:cNvSpPr>
+            <a:spLocks noGrp="1"/>
+          </p:cNvSpPr>
+          <p:nvPr>
+            <p:ph type="body" idx="1"/>
+          </p:nvPr>
+        </p:nvSpPr>
+        <p:spPr/>
+        <p:txBody>
+          <a:bodyPr>
+            <a:normAutofit/>
+          </a:bodyPr>
+          <a:lstStyle/>
+          <a:p>
+            <a:endParaRPr lang="en-US"/>
+          </a:p>
+        </p:txBody>
+      </p:sp>
+      <p:sp>
+        <p:nvSpPr>
+          <p:cNvPr id="4" name="Slide Number Placeholder 3"/>
+          <p:cNvSpPr>
+            <a:spLocks noGrp="1"/>
+          </p:cNvSpPr>
+          <p:nvPr>
+            <p:ph type="sldNum" sz="quarter" idx="10"/>
+          </p:nvPr>
+        </p:nvSpPr>
+        <p:spPr/>
+        <p:txBody>
+          <a:bodyPr/>
+          <a:lstStyle/>
+          <a:p>
+            <a:fld id="{1D76769E-C829-4283-B80E-CB90D995C291}" type="slidenum">
+              <a:rPr lang="en-US" smtClean="0"/>
+              <a:pPr/>
+              <a:t>11</a:t>
+            </a:fld>
+            <a:endParaRPr lang="en-US"/>
+          </a:p>
+        </p:txBody>
+      </p:sp>
+    </p:spTree>
+    <p:extLst>
+      <p:ext uri="{BB962C8B-B14F-4D97-AF65-F5344CB8AC3E}">
+        <p14:creationId xmlns:p14="http://schemas.microsoft.com/office/powerpoint/2010/main" val="443407446"/>
+      </p:ext>
+    </p:extLst>
+  </p:cSld>
+  <p:clrMapOvr>
+    <a:masterClrMapping/>
+  </p:clrMapOvr>
+</p:notes>
+</file>
+
+<file path=ppt/notesSlides/notesSlide12.xml><?xml version="1.0" encoding="utf-8"?>
+<p:notes xmlns:a="http://schemas.openxmlformats.org/drawingml/2006/main" xmlns:r="http://schemas.openxmlformats.org/officeDocument/2006/relationships" xmlns:p="http://schemas.openxmlformats.org/presentationml/2006/main">
+  <p:cSld>
+    <p:spTree>
+      <p:nvGrpSpPr>
+        <p:cNvPr id="1" name=""/>
+        <p:cNvGrpSpPr/>
+        <p:nvPr/>
+      </p:nvGrpSpPr>
+      <p:grpSpPr>
+        <a:xfrm>
+          <a:off x="0" y="0"/>
+          <a:ext cx="0" cy="0"/>
+          <a:chOff x="0" y="0"/>
+          <a:chExt cx="0" cy="0"/>
+        </a:xfrm>
+      </p:grpSpPr>
+      <p:sp>
+        <p:nvSpPr>
+          <p:cNvPr id="2" name="Slide Image Placeholder 1"/>
+          <p:cNvSpPr>
+            <a:spLocks noGrp="1" noRot="1" noChangeAspect="1"/>
+          </p:cNvSpPr>
+          <p:nvPr>
+            <p:ph type="sldImg"/>
+          </p:nvPr>
+        </p:nvSpPr>
+        <p:spPr/>
+      </p:sp>
+      <p:sp>
+        <p:nvSpPr>
+          <p:cNvPr id="3" name="Notes Placeholder 2"/>
+          <p:cNvSpPr>
+            <a:spLocks noGrp="1"/>
+          </p:cNvSpPr>
+          <p:nvPr>
+            <p:ph type="body" idx="1"/>
+          </p:nvPr>
+        </p:nvSpPr>
+        <p:spPr/>
+        <p:txBody>
+          <a:bodyPr>
+            <a:normAutofit/>
+          </a:bodyPr>
+          <a:lstStyle/>
+          <a:p>
+            <a:endParaRPr lang="en-US"/>
+          </a:p>
+        </p:txBody>
+      </p:sp>
+      <p:sp>
+        <p:nvSpPr>
+          <p:cNvPr id="4" name="Slide Number Placeholder 3"/>
+          <p:cNvSpPr>
+            <a:spLocks noGrp="1"/>
+          </p:cNvSpPr>
+          <p:nvPr>
+            <p:ph type="sldNum" sz="quarter" idx="10"/>
+          </p:nvPr>
+        </p:nvSpPr>
+        <p:spPr/>
+        <p:txBody>
+          <a:bodyPr/>
+          <a:lstStyle/>
+          <a:p>
+            <a:fld id="{1D76769E-C829-4283-B80E-CB90D995C291}" type="slidenum">
+              <a:rPr lang="en-US" smtClean="0"/>
+              <a:pPr/>
+              <a:t>12</a:t>
+            </a:fld>
+            <a:endParaRPr lang="en-US"/>
+          </a:p>
+        </p:txBody>
+      </p:sp>
+    </p:spTree>
+    <p:extLst>
+      <p:ext uri="{BB962C8B-B14F-4D97-AF65-F5344CB8AC3E}">
+        <p14:creationId xmlns:p14="http://schemas.microsoft.com/office/powerpoint/2010/main" val="1205876918"/>
+      </p:ext>
+    </p:extLst>
+  </p:cSld>
+  <p:clrMapOvr>
+    <a:masterClrMapping/>
+  </p:clrMapOvr>
+</p:notes>
+</file>
+
+<file path=ppt/notesSlides/notesSlide13.xml><?xml version="1.0" encoding="utf-8"?>
+<p:notes xmlns:a="http://schemas.openxmlformats.org/drawingml/2006/main" xmlns:r="http://schemas.openxmlformats.org/officeDocument/2006/relationships" xmlns:p="http://schemas.openxmlformats.org/presentationml/2006/main">
+  <p:cSld>
+    <p:spTree>
+      <p:nvGrpSpPr>
+        <p:cNvPr id="1" name=""/>
+        <p:cNvGrpSpPr/>
+        <p:nvPr/>
+      </p:nvGrpSpPr>
+      <p:grpSpPr>
+        <a:xfrm>
+          <a:off x="0" y="0"/>
+          <a:ext cx="0" cy="0"/>
+          <a:chOff x="0" y="0"/>
+          <a:chExt cx="0" cy="0"/>
+        </a:xfrm>
+      </p:grpSpPr>
+      <p:sp>
+        <p:nvSpPr>
+          <p:cNvPr id="2" name="Slide Image Placeholder 1"/>
+          <p:cNvSpPr>
+            <a:spLocks noGrp="1" noRot="1" noChangeAspect="1"/>
+          </p:cNvSpPr>
+          <p:nvPr>
+            <p:ph type="sldImg"/>
+          </p:nvPr>
+        </p:nvSpPr>
+        <p:spPr/>
+      </p:sp>
+      <p:sp>
+        <p:nvSpPr>
+          <p:cNvPr id="3" name="Notes Placeholder 2"/>
+          <p:cNvSpPr>
+            <a:spLocks noGrp="1"/>
+          </p:cNvSpPr>
+          <p:nvPr>
+            <p:ph type="body" idx="1"/>
+          </p:nvPr>
+        </p:nvSpPr>
+        <p:spPr/>
+        <p:txBody>
+          <a:bodyPr>
+            <a:normAutofit/>
+          </a:bodyPr>
+          <a:lstStyle/>
+          <a:p>
+            <a:endParaRPr lang="en-US"/>
+          </a:p>
+        </p:txBody>
+      </p:sp>
+      <p:sp>
+        <p:nvSpPr>
+          <p:cNvPr id="4" name="Slide Number Placeholder 3"/>
+          <p:cNvSpPr>
+            <a:spLocks noGrp="1"/>
+          </p:cNvSpPr>
+          <p:nvPr>
+            <p:ph type="sldNum" sz="quarter" idx="10"/>
+          </p:nvPr>
+        </p:nvSpPr>
+        <p:spPr/>
+        <p:txBody>
+          <a:bodyPr/>
+          <a:lstStyle/>
+          <a:p>
+            <a:fld id="{1D76769E-C829-4283-B80E-CB90D995C291}" type="slidenum">
+              <a:rPr lang="en-US" smtClean="0"/>
+              <a:pPr/>
+              <a:t>13</a:t>
+            </a:fld>
+            <a:endParaRPr lang="en-US"/>
+          </a:p>
+        </p:txBody>
+      </p:sp>
+    </p:spTree>
+    <p:extLst>
+      <p:ext uri="{BB962C8B-B14F-4D97-AF65-F5344CB8AC3E}">
+        <p14:creationId xmlns:p14="http://schemas.microsoft.com/office/powerpoint/2010/main" val="335897956"/>
+      </p:ext>
+    </p:extLst>
   </p:cSld>
   <p:clrMapOvr>
     <a:masterClrMapping/>
@@ -713,6 +1003,11 @@
         </p:txBody>
       </p:sp>
     </p:spTree>
+    <p:extLst>
+      <p:ext uri="{BB962C8B-B14F-4D97-AF65-F5344CB8AC3E}">
+        <p14:creationId xmlns:p14="http://schemas.microsoft.com/office/powerpoint/2010/main" val="2668974471"/>
+      </p:ext>
+    </p:extLst>
   </p:cSld>
   <p:clrMapOvr>
     <a:masterClrMapping/>
@@ -795,6 +1090,11 @@
         </p:txBody>
       </p:sp>
     </p:spTree>
+    <p:extLst>
+      <p:ext uri="{BB962C8B-B14F-4D97-AF65-F5344CB8AC3E}">
+        <p14:creationId xmlns:p14="http://schemas.microsoft.com/office/powerpoint/2010/main" val="443079278"/>
+      </p:ext>
+    </p:extLst>
   </p:cSld>
   <p:clrMapOvr>
     <a:masterClrMapping/>
@@ -877,6 +1177,11 @@
         </p:txBody>
       </p:sp>
     </p:spTree>
+    <p:extLst>
+      <p:ext uri="{BB962C8B-B14F-4D97-AF65-F5344CB8AC3E}">
+        <p14:creationId xmlns:p14="http://schemas.microsoft.com/office/powerpoint/2010/main" val="1889396640"/>
+      </p:ext>
+    </p:extLst>
   </p:cSld>
   <p:clrMapOvr>
     <a:masterClrMapping/>
@@ -959,6 +1264,11 @@
         </p:txBody>
       </p:sp>
     </p:spTree>
+    <p:extLst>
+      <p:ext uri="{BB962C8B-B14F-4D97-AF65-F5344CB8AC3E}">
+        <p14:creationId xmlns:p14="http://schemas.microsoft.com/office/powerpoint/2010/main" val="2317610387"/>
+      </p:ext>
+    </p:extLst>
   </p:cSld>
   <p:clrMapOvr>
     <a:masterClrMapping/>
@@ -1041,6 +1351,11 @@
         </p:txBody>
       </p:sp>
     </p:spTree>
+    <p:extLst>
+      <p:ext uri="{BB962C8B-B14F-4D97-AF65-F5344CB8AC3E}">
+        <p14:creationId xmlns:p14="http://schemas.microsoft.com/office/powerpoint/2010/main" val="4031482150"/>
+      </p:ext>
+    </p:extLst>
   </p:cSld>
   <p:clrMapOvr>
     <a:masterClrMapping/>
@@ -1123,6 +1438,11 @@
         </p:txBody>
       </p:sp>
     </p:spTree>
+    <p:extLst>
+      <p:ext uri="{BB962C8B-B14F-4D97-AF65-F5344CB8AC3E}">
+        <p14:creationId xmlns:p14="http://schemas.microsoft.com/office/powerpoint/2010/main" val="3498856763"/>
+      </p:ext>
+    </p:extLst>
   </p:cSld>
   <p:clrMapOvr>
     <a:masterClrMapping/>
@@ -1205,6 +1525,11 @@
         </p:txBody>
       </p:sp>
     </p:spTree>
+    <p:extLst>
+      <p:ext uri="{BB962C8B-B14F-4D97-AF65-F5344CB8AC3E}">
+        <p14:creationId xmlns:p14="http://schemas.microsoft.com/office/powerpoint/2010/main" val="1872188686"/>
+      </p:ext>
+    </p:extLst>
   </p:cSld>
   <p:clrMapOvr>
     <a:masterClrMapping/>
@@ -1287,6 +1612,11 @@
         </p:txBody>
       </p:sp>
     </p:spTree>
+    <p:extLst>
+      <p:ext uri="{BB962C8B-B14F-4D97-AF65-F5344CB8AC3E}">
+        <p14:creationId xmlns:p14="http://schemas.microsoft.com/office/powerpoint/2010/main" val="2155400368"/>
+      </p:ext>
+    </p:extLst>
   </p:cSld>
   <p:clrMapOvr>
     <a:masterClrMapping/>
@@ -5909,6 +6239,13 @@
   <p:clrMapOvr>
     <a:masterClrMapping/>
   </p:clrMapOvr>
+  <p:timing>
+    <p:tnLst>
+      <p:par>
+        <p:cTn id="1" dur="indefinite" restart="never" nodeType="tmRoot"/>
+      </p:par>
+    </p:tnLst>
+  </p:timing>
 </p:sld>
 </file>
 
@@ -5945,8 +6282,8 @@
           <a:lstStyle/>
           <a:p>
             <a:r>
-              <a:rPr lang="en-US" dirty="0"/>
-              <a:t>Summarize</a:t>
+              <a:rPr lang="en-US" dirty="0" smtClean="0"/>
+              <a:t>Code Demo</a:t>
             </a:r>
             <a:endParaRPr lang="en-US" dirty="0"/>
           </a:p>
@@ -5971,6 +6308,251 @@
           <a:p>
             <a:r>
               <a:rPr lang="en-US" dirty="0" smtClean="0"/>
+              <a:t>Database</a:t>
+            </a:r>
+            <a:endParaRPr lang="en-US" dirty="0" smtClean="0"/>
+          </a:p>
+          <a:p>
+            <a:r>
+              <a:rPr lang="en-US" dirty="0" smtClean="0"/>
+              <a:t>Model</a:t>
+            </a:r>
+          </a:p>
+          <a:p>
+            <a:r>
+              <a:rPr lang="en-US" dirty="0" smtClean="0"/>
+              <a:t>Repositories</a:t>
+            </a:r>
+          </a:p>
+          <a:p>
+            <a:r>
+              <a:rPr lang="en-US" dirty="0" smtClean="0"/>
+              <a:t>Library</a:t>
+            </a:r>
+          </a:p>
+          <a:p>
+            <a:r>
+              <a:rPr lang="en-US" dirty="0" smtClean="0"/>
+              <a:t>DTOs</a:t>
+            </a:r>
+          </a:p>
+          <a:p>
+            <a:r>
+              <a:rPr lang="en-US" dirty="0" smtClean="0"/>
+              <a:t>MVC4 Controllers / Views / </a:t>
+            </a:r>
+            <a:r>
+              <a:rPr lang="en-US" dirty="0" err="1" smtClean="0"/>
+              <a:t>Javascript</a:t>
+            </a:r>
+            <a:endParaRPr lang="en-US" dirty="0" smtClean="0"/>
+          </a:p>
+          <a:p>
+            <a:r>
+              <a:rPr lang="en-US" dirty="0" smtClean="0"/>
+              <a:t>Visual Studio Unit Test</a:t>
+            </a:r>
+          </a:p>
+          <a:p>
+            <a:r>
+              <a:rPr lang="en-US" dirty="0" smtClean="0"/>
+              <a:t>Jasmine Unit Test</a:t>
+            </a:r>
+            <a:endParaRPr lang="en-US" dirty="0" smtClean="0"/>
+          </a:p>
+        </p:txBody>
+      </p:sp>
+    </p:spTree>
+    <p:extLst>
+      <p:ext uri="{BB962C8B-B14F-4D97-AF65-F5344CB8AC3E}">
+        <p14:creationId xmlns:p14="http://schemas.microsoft.com/office/powerpoint/2010/main" val="588623786"/>
+      </p:ext>
+    </p:extLst>
+  </p:cSld>
+  <p:clrMapOvr>
+    <a:masterClrMapping/>
+  </p:clrMapOvr>
+  <p:timing>
+    <p:tnLst>
+      <p:par>
+        <p:cTn id="1" dur="indefinite" restart="never" nodeType="tmRoot"/>
+      </p:par>
+    </p:tnLst>
+  </p:timing>
+</p:sld>
+</file>
+
+<file path=ppt/slides/slide11.xml><?xml version="1.0" encoding="utf-8"?>
+<p:sld xmlns:a="http://schemas.openxmlformats.org/drawingml/2006/main" xmlns:r="http://schemas.openxmlformats.org/officeDocument/2006/relationships" xmlns:p="http://schemas.openxmlformats.org/presentationml/2006/main">
+  <p:cSld>
+    <p:spTree>
+      <p:nvGrpSpPr>
+        <p:cNvPr id="1" name=""/>
+        <p:cNvGrpSpPr/>
+        <p:nvPr/>
+      </p:nvGrpSpPr>
+      <p:grpSpPr>
+        <a:xfrm>
+          <a:off x="0" y="0"/>
+          <a:ext cx="0" cy="0"/>
+          <a:chOff x="0" y="0"/>
+          <a:chExt cx="0" cy="0"/>
+        </a:xfrm>
+      </p:grpSpPr>
+      <p:sp>
+        <p:nvSpPr>
+          <p:cNvPr id="2" name="Rectangle 1"/>
+          <p:cNvSpPr>
+            <a:spLocks noGrp="1"/>
+          </p:cNvSpPr>
+          <p:nvPr>
+            <p:ph type="title"/>
+          </p:nvPr>
+        </p:nvSpPr>
+        <p:spPr/>
+        <p:txBody>
+          <a:bodyPr/>
+          <a:lstStyle/>
+          <a:p>
+            <a:r>
+              <a:rPr lang="en-US" dirty="0" smtClean="0"/>
+              <a:t>Address Book Demo</a:t>
+            </a:r>
+            <a:endParaRPr lang="en-US" dirty="0"/>
+          </a:p>
+        </p:txBody>
+      </p:sp>
+      <p:sp>
+        <p:nvSpPr>
+          <p:cNvPr id="3" name="Rectangle 2"/>
+          <p:cNvSpPr>
+            <a:spLocks noGrp="1"/>
+          </p:cNvSpPr>
+          <p:nvPr>
+            <p:ph idx="1"/>
+          </p:nvPr>
+        </p:nvSpPr>
+        <p:spPr/>
+        <p:txBody>
+          <a:bodyPr>
+            <a:normAutofit/>
+          </a:bodyPr>
+          <a:lstStyle/>
+          <a:p>
+            <a:r>
+              <a:rPr lang="en-US" dirty="0" smtClean="0"/>
+              <a:t>Search People</a:t>
+            </a:r>
+            <a:endParaRPr lang="en-US" dirty="0" smtClean="0"/>
+          </a:p>
+          <a:p>
+            <a:r>
+              <a:rPr lang="en-US" dirty="0"/>
+              <a:t>Add New Person / </a:t>
+            </a:r>
+            <a:r>
+              <a:rPr lang="en-US" dirty="0" smtClean="0"/>
+              <a:t>Relationship</a:t>
+            </a:r>
+          </a:p>
+          <a:p>
+            <a:r>
+              <a:rPr lang="en-US" dirty="0" smtClean="0"/>
+              <a:t>View Person</a:t>
+            </a:r>
+          </a:p>
+          <a:p>
+            <a:r>
+              <a:rPr lang="en-US" dirty="0" smtClean="0"/>
+              <a:t>Edit Person / Relationship</a:t>
+            </a:r>
+          </a:p>
+          <a:p>
+            <a:r>
+              <a:rPr lang="en-US" dirty="0" smtClean="0"/>
+              <a:t>Delete Person</a:t>
+            </a:r>
+          </a:p>
+        </p:txBody>
+      </p:sp>
+    </p:spTree>
+    <p:extLst>
+      <p:ext uri="{BB962C8B-B14F-4D97-AF65-F5344CB8AC3E}">
+        <p14:creationId xmlns:p14="http://schemas.microsoft.com/office/powerpoint/2010/main" val="840724843"/>
+      </p:ext>
+    </p:extLst>
+  </p:cSld>
+  <p:clrMapOvr>
+    <a:masterClrMapping/>
+  </p:clrMapOvr>
+  <p:timing>
+    <p:tnLst>
+      <p:par>
+        <p:cTn id="1" dur="indefinite" restart="never" nodeType="tmRoot"/>
+      </p:par>
+    </p:tnLst>
+  </p:timing>
+</p:sld>
+</file>
+
+<file path=ppt/slides/slide12.xml><?xml version="1.0" encoding="utf-8"?>
+<p:sld xmlns:a="http://schemas.openxmlformats.org/drawingml/2006/main" xmlns:r="http://schemas.openxmlformats.org/officeDocument/2006/relationships" xmlns:p="http://schemas.openxmlformats.org/presentationml/2006/main">
+  <p:cSld>
+    <p:spTree>
+      <p:nvGrpSpPr>
+        <p:cNvPr id="1" name=""/>
+        <p:cNvGrpSpPr/>
+        <p:nvPr/>
+      </p:nvGrpSpPr>
+      <p:grpSpPr>
+        <a:xfrm>
+          <a:off x="0" y="0"/>
+          <a:ext cx="0" cy="0"/>
+          <a:chOff x="0" y="0"/>
+          <a:chExt cx="0" cy="0"/>
+        </a:xfrm>
+      </p:grpSpPr>
+      <p:sp>
+        <p:nvSpPr>
+          <p:cNvPr id="2" name="Rectangle 1"/>
+          <p:cNvSpPr>
+            <a:spLocks noGrp="1"/>
+          </p:cNvSpPr>
+          <p:nvPr>
+            <p:ph type="title"/>
+          </p:nvPr>
+        </p:nvSpPr>
+        <p:spPr/>
+        <p:txBody>
+          <a:bodyPr/>
+          <a:lstStyle/>
+          <a:p>
+            <a:r>
+              <a:rPr lang="en-US" dirty="0"/>
+              <a:t>Summarize</a:t>
+            </a:r>
+          </a:p>
+        </p:txBody>
+      </p:sp>
+      <p:sp>
+        <p:nvSpPr>
+          <p:cNvPr id="3" name="Rectangle 2"/>
+          <p:cNvSpPr>
+            <a:spLocks noGrp="1"/>
+          </p:cNvSpPr>
+          <p:nvPr>
+            <p:ph idx="1"/>
+          </p:nvPr>
+        </p:nvSpPr>
+        <p:spPr/>
+        <p:txBody>
+          <a:bodyPr>
+            <a:normAutofit/>
+          </a:bodyPr>
+          <a:lstStyle/>
+          <a:p>
+            <a:r>
+              <a:rPr lang="en-US" dirty="0" smtClean="0"/>
               <a:t>Database Design</a:t>
             </a:r>
           </a:p>
@@ -5989,8 +6571,9 @@
           <a:p>
             <a:r>
               <a:rPr lang="en-US" dirty="0" smtClean="0"/>
-              <a:t>Web Project</a:t>
-            </a:r>
+              <a:t>MVC4 Project</a:t>
+            </a:r>
+            <a:endParaRPr lang="en-US" dirty="0" smtClean="0"/>
           </a:p>
           <a:p>
             <a:r>
@@ -6010,6 +6593,122 @@
   <p:clrMapOvr>
     <a:masterClrMapping/>
   </p:clrMapOvr>
+  <p:timing>
+    <p:tnLst>
+      <p:par>
+        <p:cTn id="1" dur="indefinite" restart="never" nodeType="tmRoot"/>
+      </p:par>
+    </p:tnLst>
+  </p:timing>
+</p:sld>
+</file>
+
+<file path=ppt/slides/slide13.xml><?xml version="1.0" encoding="utf-8"?>
+<p:sld xmlns:a="http://schemas.openxmlformats.org/drawingml/2006/main" xmlns:r="http://schemas.openxmlformats.org/officeDocument/2006/relationships" xmlns:p="http://schemas.openxmlformats.org/presentationml/2006/main">
+  <p:cSld>
+    <p:spTree>
+      <p:nvGrpSpPr>
+        <p:cNvPr id="1" name=""/>
+        <p:cNvGrpSpPr/>
+        <p:nvPr/>
+      </p:nvGrpSpPr>
+      <p:grpSpPr>
+        <a:xfrm>
+          <a:off x="0" y="0"/>
+          <a:ext cx="0" cy="0"/>
+          <a:chOff x="0" y="0"/>
+          <a:chExt cx="0" cy="0"/>
+        </a:xfrm>
+      </p:grpSpPr>
+      <p:sp>
+        <p:nvSpPr>
+          <p:cNvPr id="2" name="Rectangle 1"/>
+          <p:cNvSpPr>
+            <a:spLocks noGrp="1"/>
+          </p:cNvSpPr>
+          <p:nvPr>
+            <p:ph type="title"/>
+          </p:nvPr>
+        </p:nvSpPr>
+        <p:spPr/>
+        <p:txBody>
+          <a:bodyPr/>
+          <a:lstStyle/>
+          <a:p>
+            <a:r>
+              <a:rPr lang="en-US" dirty="0" smtClean="0"/>
+              <a:t>Questions / Comments</a:t>
+            </a:r>
+            <a:endParaRPr lang="en-US" dirty="0"/>
+          </a:p>
+        </p:txBody>
+      </p:sp>
+      <p:sp>
+        <p:nvSpPr>
+          <p:cNvPr id="3" name="Rectangle 2"/>
+          <p:cNvSpPr>
+            <a:spLocks noGrp="1"/>
+          </p:cNvSpPr>
+          <p:nvPr>
+            <p:ph idx="1"/>
+          </p:nvPr>
+        </p:nvSpPr>
+        <p:spPr/>
+        <p:txBody>
+          <a:bodyPr>
+            <a:normAutofit/>
+          </a:bodyPr>
+          <a:lstStyle/>
+          <a:p>
+            <a:pPr marL="109728" indent="0" algn="ctr">
+              <a:buNone/>
+            </a:pPr>
+            <a:endParaRPr lang="en-US" dirty="0" smtClean="0"/>
+          </a:p>
+          <a:p>
+            <a:pPr marL="109728" indent="0" algn="ctr">
+              <a:buNone/>
+            </a:pPr>
+            <a:r>
+              <a:rPr lang="en-US" dirty="0" smtClean="0"/>
+              <a:t>Thank you for your time.</a:t>
+            </a:r>
+          </a:p>
+          <a:p>
+            <a:pPr marL="109728" indent="0" algn="ctr">
+              <a:buNone/>
+            </a:pPr>
+            <a:endParaRPr lang="en-US" dirty="0" smtClean="0"/>
+          </a:p>
+          <a:p>
+            <a:pPr marL="109728" indent="0" algn="ctr">
+              <a:buNone/>
+            </a:pPr>
+            <a:r>
+              <a:rPr lang="en-US" dirty="0" smtClean="0"/>
+              <a:t>Questions / Comments?</a:t>
+            </a:r>
+            <a:endParaRPr lang="en-US" dirty="0" smtClean="0"/>
+          </a:p>
+        </p:txBody>
+      </p:sp>
+    </p:spTree>
+    <p:extLst>
+      <p:ext uri="{BB962C8B-B14F-4D97-AF65-F5344CB8AC3E}">
+        <p14:creationId xmlns:p14="http://schemas.microsoft.com/office/powerpoint/2010/main" val="2806974040"/>
+      </p:ext>
+    </p:extLst>
+  </p:cSld>
+  <p:clrMapOvr>
+    <a:masterClrMapping/>
+  </p:clrMapOvr>
+  <p:timing>
+    <p:tnLst>
+      <p:par>
+        <p:cTn id="1" dur="indefinite" restart="never" nodeType="tmRoot"/>
+      </p:par>
+    </p:tnLst>
+  </p:timing>
 </p:sld>
 </file>
 
@@ -6065,7 +6764,9 @@
         </p:nvSpPr>
         <p:spPr/>
         <p:txBody>
-          <a:bodyPr/>
+          <a:bodyPr>
+            <a:normAutofit lnSpcReduction="10000"/>
+          </a:bodyPr>
           <a:lstStyle/>
           <a:p>
             <a:r>
@@ -6077,7 +6778,7 @@
           <a:p>
             <a:r>
               <a:rPr lang="en-US" dirty="0" smtClean="0"/>
-              <a:t>Database Design</a:t>
+              <a:t>Database</a:t>
             </a:r>
             <a:endParaRPr lang="en-US" dirty="0" smtClean="0"/>
           </a:p>
@@ -6093,18 +6794,38 @@
               <a:rPr lang="en-US" dirty="0" smtClean="0"/>
               <a:t>Design Patterns</a:t>
             </a:r>
+          </a:p>
+          <a:p>
+            <a:r>
+              <a:rPr lang="en-US" dirty="0" smtClean="0"/>
+              <a:t>MVC4 </a:t>
+            </a:r>
+            <a:r>
+              <a:rPr lang="en-US" dirty="0" smtClean="0"/>
+              <a:t>Project</a:t>
+            </a:r>
             <a:endParaRPr lang="en-US" dirty="0" smtClean="0"/>
           </a:p>
           <a:p>
             <a:r>
               <a:rPr lang="en-US" dirty="0" smtClean="0"/>
-              <a:t>Web Project</a:t>
-            </a:r>
-          </a:p>
-          <a:p>
-            <a:r>
-              <a:rPr lang="en-US" dirty="0" smtClean="0"/>
-              <a:t>Unit Testing</a:t>
+              <a:t>Unit </a:t>
+            </a:r>
+            <a:r>
+              <a:rPr lang="en-US" dirty="0" smtClean="0"/>
+              <a:t>Testing</a:t>
+            </a:r>
+          </a:p>
+          <a:p>
+            <a:r>
+              <a:rPr lang="en-US" dirty="0" smtClean="0"/>
+              <a:t>Code Demo</a:t>
+            </a:r>
+          </a:p>
+          <a:p>
+            <a:r>
+              <a:rPr lang="en-US" dirty="0" smtClean="0"/>
+              <a:t>Address Book Demo</a:t>
             </a:r>
             <a:endParaRPr lang="en-US" dirty="0" smtClean="0"/>
           </a:p>
@@ -6112,6 +6833,12 @@
             <a:r>
               <a:rPr lang="en-US" dirty="0" smtClean="0"/>
               <a:t>Summarize</a:t>
+            </a:r>
+          </a:p>
+          <a:p>
+            <a:r>
+              <a:rPr lang="en-US" dirty="0" smtClean="0"/>
+              <a:t>Questions / Comments</a:t>
             </a:r>
             <a:endParaRPr lang="en-US" dirty="0"/>
           </a:p>
@@ -6122,6 +6849,13 @@
   <p:clrMapOvr>
     <a:masterClrMapping/>
   </p:clrMapOvr>
+  <p:timing>
+    <p:tnLst>
+      <p:par>
+        <p:cTn id="1" dur="indefinite" restart="never" nodeType="tmRoot"/>
+      </p:par>
+    </p:tnLst>
+  </p:timing>
 </p:sld>
 </file>
 
@@ -6190,9 +6924,12 @@
             <a:pPr lvl="1"/>
             <a:r>
               <a:rPr lang="en-US" dirty="0" smtClean="0"/>
-              <a:t>Demonstrate Address Book Project</a:t>
-            </a:r>
-            <a:endParaRPr lang="en-US" dirty="0" smtClean="0"/>
+              <a:t>Demo Address </a:t>
+            </a:r>
+            <a:r>
+              <a:rPr lang="en-US" dirty="0" smtClean="0"/>
+              <a:t>Book Project</a:t>
+            </a:r>
           </a:p>
           <a:p>
             <a:pPr lvl="1"/>
@@ -6251,6 +6988,13 @@
   <p:clrMapOvr>
     <a:masterClrMapping/>
   </p:clrMapOvr>
+  <p:timing>
+    <p:tnLst>
+      <p:par>
+        <p:cTn id="1" dur="indefinite" restart="never" nodeType="tmRoot"/>
+      </p:par>
+    </p:tnLst>
+  </p:timing>
 </p:sld>
 </file>
 
@@ -6321,7 +7065,6 @@
               <a:rPr lang="en-US" dirty="0" smtClean="0"/>
               <a:t>Customer</a:t>
             </a:r>
-            <a:endParaRPr lang="en-US" dirty="0" smtClean="0"/>
           </a:p>
           <a:p>
             <a:pPr lvl="1"/>
@@ -6329,7 +7072,6 @@
               <a:rPr lang="en-US" dirty="0" smtClean="0"/>
               <a:t>Manager</a:t>
             </a:r>
-            <a:endParaRPr lang="en-US" dirty="0" smtClean="0"/>
           </a:p>
           <a:p>
             <a:pPr lvl="1"/>
@@ -6337,7 +7079,6 @@
               <a:rPr lang="en-US" dirty="0" smtClean="0"/>
               <a:t>Employee</a:t>
             </a:r>
-            <a:endParaRPr lang="en-US" dirty="0" smtClean="0"/>
           </a:p>
           <a:p>
             <a:pPr lvl="1"/>
@@ -6375,6 +7116,13 @@
   <p:clrMapOvr>
     <a:masterClrMapping/>
   </p:clrMapOvr>
+  <p:timing>
+    <p:tnLst>
+      <p:par>
+        <p:cTn id="1" dur="indefinite" restart="never" nodeType="tmRoot"/>
+      </p:par>
+    </p:tnLst>
+  </p:timing>
 </p:sld>
 </file>
 
@@ -6517,6 +7265,13 @@
   <p:clrMapOvr>
     <a:masterClrMapping/>
   </p:clrMapOvr>
+  <p:timing>
+    <p:tnLst>
+      <p:par>
+        <p:cTn id="1" dur="indefinite" restart="never" nodeType="tmRoot"/>
+      </p:par>
+    </p:tnLst>
+  </p:timing>
 </p:sld>
 </file>
 
@@ -6619,6 +7374,13 @@
   <p:clrMapOvr>
     <a:masterClrMapping/>
   </p:clrMapOvr>
+  <p:timing>
+    <p:tnLst>
+      <p:par>
+        <p:cTn id="1" dur="indefinite" restart="never" nodeType="tmRoot"/>
+      </p:par>
+    </p:tnLst>
+  </p:timing>
 </p:sld>
 </file>
 
@@ -6688,7 +7450,6 @@
               <a:rPr lang="en-US" dirty="0" smtClean="0"/>
               <a:t>Data Transfer Objects (DTO) Pattern</a:t>
             </a:r>
-            <a:endParaRPr lang="en-US" dirty="0" smtClean="0"/>
           </a:p>
         </p:txBody>
       </p:sp>
@@ -6697,6 +7458,13 @@
   <p:clrMapOvr>
     <a:masterClrMapping/>
   </p:clrMapOvr>
+  <p:timing>
+    <p:tnLst>
+      <p:par>
+        <p:cTn id="1" dur="indefinite" restart="never" nodeType="tmRoot"/>
+      </p:par>
+    </p:tnLst>
+  </p:timing>
 </p:sld>
 </file>
 
@@ -6734,7 +7502,7 @@
           <a:p>
             <a:r>
               <a:rPr lang="en-US" dirty="0" smtClean="0"/>
-              <a:t>Web Project</a:t>
+              <a:t>MVC4 Project</a:t>
             </a:r>
             <a:endParaRPr lang="en-US" dirty="0"/>
           </a:p>
@@ -6759,38 +7527,28 @@
           <a:p>
             <a:r>
               <a:rPr lang="en-US" dirty="0" smtClean="0"/>
-              <a:t>MVC4</a:t>
-            </a:r>
-          </a:p>
-          <a:p>
-            <a:pPr lvl="1"/>
-            <a:r>
-              <a:rPr lang="en-US" dirty="0" smtClean="0"/>
               <a:t>Model</a:t>
             </a:r>
-          </a:p>
-          <a:p>
-            <a:pPr lvl="1"/>
+            <a:endParaRPr lang="en-US" dirty="0" smtClean="0"/>
+          </a:p>
+          <a:p>
             <a:r>
               <a:rPr lang="en-US" dirty="0" smtClean="0"/>
               <a:t>View</a:t>
             </a:r>
           </a:p>
           <a:p>
-            <a:pPr lvl="1"/>
-            <a:r>
-              <a:rPr lang="en-US" dirty="0" err="1" smtClean="0"/>
-              <a:t>Contoller</a:t>
+            <a:r>
+              <a:rPr lang="en-US" dirty="0" smtClean="0"/>
+              <a:t>Controller</a:t>
             </a:r>
             <a:endParaRPr lang="en-US" dirty="0" smtClean="0"/>
           </a:p>
           <a:p>
-            <a:pPr lvl="1"/>
             <a:r>
               <a:rPr lang="en-US" dirty="0" smtClean="0"/>
               <a:t>REST API</a:t>
             </a:r>
-            <a:endParaRPr lang="en-US" dirty="0" smtClean="0"/>
           </a:p>
           <a:p>
             <a:r>
@@ -6841,6 +7599,13 @@
   <p:clrMapOvr>
     <a:masterClrMapping/>
   </p:clrMapOvr>
+  <p:timing>
+    <p:tnLst>
+      <p:par>
+        <p:cTn id="1" dur="indefinite" restart="never" nodeType="tmRoot"/>
+      </p:par>
+    </p:tnLst>
+  </p:timing>
 </p:sld>
 </file>
 
@@ -6878,7 +7643,7 @@
           <a:p>
             <a:r>
               <a:rPr lang="en-US" dirty="0" smtClean="0"/>
-              <a:t>Web Project</a:t>
+              <a:t>Unit Testing</a:t>
             </a:r>
             <a:endParaRPr lang="en-US" dirty="0"/>
           </a:p>
@@ -6903,80 +7668,16 @@
           <a:p>
             <a:r>
               <a:rPr lang="en-US" dirty="0" smtClean="0"/>
-              <a:t>MVC4</a:t>
-            </a:r>
-          </a:p>
-          <a:p>
-            <a:pPr lvl="1"/>
-            <a:r>
-              <a:rPr lang="en-US" dirty="0" smtClean="0"/>
-              <a:t>Model</a:t>
-            </a:r>
-          </a:p>
-          <a:p>
-            <a:pPr lvl="1"/>
-            <a:r>
-              <a:rPr lang="en-US" dirty="0" smtClean="0"/>
-              <a:t>View</a:t>
-            </a:r>
-          </a:p>
-          <a:p>
-            <a:pPr lvl="1"/>
-            <a:r>
-              <a:rPr lang="en-US" dirty="0" err="1" smtClean="0"/>
-              <a:t>Contoller</a:t>
+              <a:t>Visual Studio Unit Test</a:t>
             </a:r>
             <a:endParaRPr lang="en-US" dirty="0" smtClean="0"/>
           </a:p>
           <a:p>
-            <a:pPr lvl="1"/>
-            <a:r>
-              <a:rPr lang="en-US" dirty="0" smtClean="0"/>
-              <a:t>REST API</a:t>
+            <a:r>
+              <a:rPr lang="en-US" dirty="0" smtClean="0"/>
+              <a:t>Jasmine Unit Test</a:t>
             </a:r>
             <a:endParaRPr lang="en-US" dirty="0" smtClean="0"/>
-          </a:p>
-          <a:p>
-            <a:r>
-              <a:rPr lang="en-US" dirty="0" err="1" smtClean="0"/>
-              <a:t>Javascript</a:t>
-            </a:r>
-            <a:endParaRPr lang="en-US" dirty="0" smtClean="0"/>
-          </a:p>
-          <a:p>
-            <a:r>
-              <a:rPr lang="en-US" dirty="0" err="1" smtClean="0"/>
-              <a:t>jQuery</a:t>
-            </a:r>
-            <a:endParaRPr lang="en-US" dirty="0" smtClean="0"/>
-          </a:p>
-          <a:p>
-            <a:r>
-              <a:rPr lang="en-US" dirty="0" err="1" smtClean="0"/>
-              <a:t>jQuery</a:t>
-            </a:r>
-            <a:r>
-              <a:rPr lang="en-US" dirty="0" smtClean="0"/>
-              <a:t> </a:t>
-            </a:r>
-            <a:r>
-              <a:rPr lang="en-US" dirty="0" err="1" smtClean="0"/>
-              <a:t>Datatables</a:t>
-            </a:r>
-            <a:endParaRPr lang="en-US" dirty="0" smtClean="0"/>
-          </a:p>
-          <a:p>
-            <a:r>
-              <a:rPr lang="en-US" dirty="0" smtClean="0"/>
-              <a:t>Twitter Bootstrap 3</a:t>
-            </a:r>
-          </a:p>
-          <a:p>
-            <a:r>
-              <a:rPr lang="en-US" dirty="0" smtClean="0"/>
-              <a:t>HTML5</a:t>
-            </a:r>
-            <a:endParaRPr lang="en-US" dirty="0"/>
           </a:p>
         </p:txBody>
       </p:sp>
@@ -6990,6 +7691,13 @@
   <p:clrMapOvr>
     <a:masterClrMapping/>
   </p:clrMapOvr>
+  <p:timing>
+    <p:tnLst>
+      <p:par>
+        <p:cTn id="1" dur="indefinite" restart="never" nodeType="tmRoot"/>
+      </p:par>
+    </p:tnLst>
+  </p:timing>
 </p:sld>
 </file>
 

--- a/Main/Docs/AddressBookDemo.pptx
+++ b/Main/Docs/AddressBookDemo.pptx
@@ -5,22 +5,27 @@
     <p:sldMasterId id="2147483658" r:id="rId2"/>
   </p:sldMasterIdLst>
   <p:notesMasterIdLst>
-    <p:notesMasterId r:id="rId16"/>
+    <p:notesMasterId r:id="rId21"/>
   </p:notesMasterIdLst>
   <p:sldIdLst>
     <p:sldId id="256" r:id="rId3"/>
     <p:sldId id="257" r:id="rId4"/>
-    <p:sldId id="258" r:id="rId5"/>
-    <p:sldId id="259" r:id="rId6"/>
-    <p:sldId id="260" r:id="rId7"/>
-    <p:sldId id="261" r:id="rId8"/>
-    <p:sldId id="262" r:id="rId9"/>
-    <p:sldId id="263" r:id="rId10"/>
-    <p:sldId id="265" r:id="rId11"/>
-    <p:sldId id="266" r:id="rId12"/>
-    <p:sldId id="267" r:id="rId13"/>
-    <p:sldId id="264" r:id="rId14"/>
-    <p:sldId id="268" r:id="rId15"/>
+    <p:sldId id="271" r:id="rId5"/>
+    <p:sldId id="258" r:id="rId6"/>
+    <p:sldId id="272" r:id="rId7"/>
+    <p:sldId id="273" r:id="rId8"/>
+    <p:sldId id="259" r:id="rId9"/>
+    <p:sldId id="260" r:id="rId10"/>
+    <p:sldId id="261" r:id="rId11"/>
+    <p:sldId id="262" r:id="rId12"/>
+    <p:sldId id="270" r:id="rId13"/>
+    <p:sldId id="269" r:id="rId14"/>
+    <p:sldId id="263" r:id="rId15"/>
+    <p:sldId id="265" r:id="rId16"/>
+    <p:sldId id="266" r:id="rId17"/>
+    <p:sldId id="267" r:id="rId18"/>
+    <p:sldId id="264" r:id="rId19"/>
+    <p:sldId id="268" r:id="rId20"/>
   </p:sldIdLst>
   <p:sldSz cx="9144000" cy="6858000" type="screen4x3"/>
   <p:notesSz cx="6858000" cy="9144000"/>
@@ -657,7 +662,7 @@
     </p:spTree>
     <p:extLst>
       <p:ext uri="{BB962C8B-B14F-4D97-AF65-F5344CB8AC3E}">
-        <p14:creationId xmlns:p14="http://schemas.microsoft.com/office/powerpoint/2010/main" val="3442177324"/>
+        <p14:creationId xmlns:p14="http://schemas.microsoft.com/office/powerpoint/2010/main" val="3498856763"/>
       </p:ext>
     </p:extLst>
   </p:cSld>
@@ -744,7 +749,7 @@
     </p:spTree>
     <p:extLst>
       <p:ext uri="{BB962C8B-B14F-4D97-AF65-F5344CB8AC3E}">
-        <p14:creationId xmlns:p14="http://schemas.microsoft.com/office/powerpoint/2010/main" val="443407446"/>
+        <p14:creationId xmlns:p14="http://schemas.microsoft.com/office/powerpoint/2010/main" val="3222317984"/>
       </p:ext>
     </p:extLst>
   </p:cSld>
@@ -831,7 +836,7 @@
     </p:spTree>
     <p:extLst>
       <p:ext uri="{BB962C8B-B14F-4D97-AF65-F5344CB8AC3E}">
-        <p14:creationId xmlns:p14="http://schemas.microsoft.com/office/powerpoint/2010/main" val="1205876918"/>
+        <p14:creationId xmlns:p14="http://schemas.microsoft.com/office/powerpoint/2010/main" val="2923205605"/>
       </p:ext>
     </p:extLst>
   </p:cSld>
@@ -910,6 +915,441 @@
               <a:rPr lang="en-US" smtClean="0"/>
               <a:pPr/>
               <a:t>13</a:t>
+            </a:fld>
+            <a:endParaRPr lang="en-US"/>
+          </a:p>
+        </p:txBody>
+      </p:sp>
+    </p:spTree>
+    <p:extLst>
+      <p:ext uri="{BB962C8B-B14F-4D97-AF65-F5344CB8AC3E}">
+        <p14:creationId xmlns:p14="http://schemas.microsoft.com/office/powerpoint/2010/main" val="1872188686"/>
+      </p:ext>
+    </p:extLst>
+  </p:cSld>
+  <p:clrMapOvr>
+    <a:masterClrMapping/>
+  </p:clrMapOvr>
+</p:notes>
+</file>
+
+<file path=ppt/notesSlides/notesSlide14.xml><?xml version="1.0" encoding="utf-8"?>
+<p:notes xmlns:a="http://schemas.openxmlformats.org/drawingml/2006/main" xmlns:r="http://schemas.openxmlformats.org/officeDocument/2006/relationships" xmlns:p="http://schemas.openxmlformats.org/presentationml/2006/main">
+  <p:cSld>
+    <p:spTree>
+      <p:nvGrpSpPr>
+        <p:cNvPr id="1" name=""/>
+        <p:cNvGrpSpPr/>
+        <p:nvPr/>
+      </p:nvGrpSpPr>
+      <p:grpSpPr>
+        <a:xfrm>
+          <a:off x="0" y="0"/>
+          <a:ext cx="0" cy="0"/>
+          <a:chOff x="0" y="0"/>
+          <a:chExt cx="0" cy="0"/>
+        </a:xfrm>
+      </p:grpSpPr>
+      <p:sp>
+        <p:nvSpPr>
+          <p:cNvPr id="2" name="Slide Image Placeholder 1"/>
+          <p:cNvSpPr>
+            <a:spLocks noGrp="1" noRot="1" noChangeAspect="1"/>
+          </p:cNvSpPr>
+          <p:nvPr>
+            <p:ph type="sldImg"/>
+          </p:nvPr>
+        </p:nvSpPr>
+        <p:spPr/>
+      </p:sp>
+      <p:sp>
+        <p:nvSpPr>
+          <p:cNvPr id="3" name="Notes Placeholder 2"/>
+          <p:cNvSpPr>
+            <a:spLocks noGrp="1"/>
+          </p:cNvSpPr>
+          <p:nvPr>
+            <p:ph type="body" idx="1"/>
+          </p:nvPr>
+        </p:nvSpPr>
+        <p:spPr/>
+        <p:txBody>
+          <a:bodyPr>
+            <a:normAutofit/>
+          </a:bodyPr>
+          <a:lstStyle/>
+          <a:p>
+            <a:endParaRPr lang="en-US"/>
+          </a:p>
+        </p:txBody>
+      </p:sp>
+      <p:sp>
+        <p:nvSpPr>
+          <p:cNvPr id="4" name="Slide Number Placeholder 3"/>
+          <p:cNvSpPr>
+            <a:spLocks noGrp="1"/>
+          </p:cNvSpPr>
+          <p:nvPr>
+            <p:ph type="sldNum" sz="quarter" idx="10"/>
+          </p:nvPr>
+        </p:nvSpPr>
+        <p:spPr/>
+        <p:txBody>
+          <a:bodyPr/>
+          <a:lstStyle/>
+          <a:p>
+            <a:fld id="{1D76769E-C829-4283-B80E-CB90D995C291}" type="slidenum">
+              <a:rPr lang="en-US" smtClean="0"/>
+              <a:pPr/>
+              <a:t>14</a:t>
+            </a:fld>
+            <a:endParaRPr lang="en-US"/>
+          </a:p>
+        </p:txBody>
+      </p:sp>
+    </p:spTree>
+    <p:extLst>
+      <p:ext uri="{BB962C8B-B14F-4D97-AF65-F5344CB8AC3E}">
+        <p14:creationId xmlns:p14="http://schemas.microsoft.com/office/powerpoint/2010/main" val="2155400368"/>
+      </p:ext>
+    </p:extLst>
+  </p:cSld>
+  <p:clrMapOvr>
+    <a:masterClrMapping/>
+  </p:clrMapOvr>
+</p:notes>
+</file>
+
+<file path=ppt/notesSlides/notesSlide15.xml><?xml version="1.0" encoding="utf-8"?>
+<p:notes xmlns:a="http://schemas.openxmlformats.org/drawingml/2006/main" xmlns:r="http://schemas.openxmlformats.org/officeDocument/2006/relationships" xmlns:p="http://schemas.openxmlformats.org/presentationml/2006/main">
+  <p:cSld>
+    <p:spTree>
+      <p:nvGrpSpPr>
+        <p:cNvPr id="1" name=""/>
+        <p:cNvGrpSpPr/>
+        <p:nvPr/>
+      </p:nvGrpSpPr>
+      <p:grpSpPr>
+        <a:xfrm>
+          <a:off x="0" y="0"/>
+          <a:ext cx="0" cy="0"/>
+          <a:chOff x="0" y="0"/>
+          <a:chExt cx="0" cy="0"/>
+        </a:xfrm>
+      </p:grpSpPr>
+      <p:sp>
+        <p:nvSpPr>
+          <p:cNvPr id="2" name="Slide Image Placeholder 1"/>
+          <p:cNvSpPr>
+            <a:spLocks noGrp="1" noRot="1" noChangeAspect="1"/>
+          </p:cNvSpPr>
+          <p:nvPr>
+            <p:ph type="sldImg"/>
+          </p:nvPr>
+        </p:nvSpPr>
+        <p:spPr/>
+      </p:sp>
+      <p:sp>
+        <p:nvSpPr>
+          <p:cNvPr id="3" name="Notes Placeholder 2"/>
+          <p:cNvSpPr>
+            <a:spLocks noGrp="1"/>
+          </p:cNvSpPr>
+          <p:nvPr>
+            <p:ph type="body" idx="1"/>
+          </p:nvPr>
+        </p:nvSpPr>
+        <p:spPr/>
+        <p:txBody>
+          <a:bodyPr>
+            <a:normAutofit/>
+          </a:bodyPr>
+          <a:lstStyle/>
+          <a:p>
+            <a:endParaRPr lang="en-US"/>
+          </a:p>
+        </p:txBody>
+      </p:sp>
+      <p:sp>
+        <p:nvSpPr>
+          <p:cNvPr id="4" name="Slide Number Placeholder 3"/>
+          <p:cNvSpPr>
+            <a:spLocks noGrp="1"/>
+          </p:cNvSpPr>
+          <p:nvPr>
+            <p:ph type="sldNum" sz="quarter" idx="10"/>
+          </p:nvPr>
+        </p:nvSpPr>
+        <p:spPr/>
+        <p:txBody>
+          <a:bodyPr/>
+          <a:lstStyle/>
+          <a:p>
+            <a:fld id="{1D76769E-C829-4283-B80E-CB90D995C291}" type="slidenum">
+              <a:rPr lang="en-US" smtClean="0"/>
+              <a:pPr/>
+              <a:t>15</a:t>
+            </a:fld>
+            <a:endParaRPr lang="en-US"/>
+          </a:p>
+        </p:txBody>
+      </p:sp>
+    </p:spTree>
+    <p:extLst>
+      <p:ext uri="{BB962C8B-B14F-4D97-AF65-F5344CB8AC3E}">
+        <p14:creationId xmlns:p14="http://schemas.microsoft.com/office/powerpoint/2010/main" val="3442177324"/>
+      </p:ext>
+    </p:extLst>
+  </p:cSld>
+  <p:clrMapOvr>
+    <a:masterClrMapping/>
+  </p:clrMapOvr>
+</p:notes>
+</file>
+
+<file path=ppt/notesSlides/notesSlide16.xml><?xml version="1.0" encoding="utf-8"?>
+<p:notes xmlns:a="http://schemas.openxmlformats.org/drawingml/2006/main" xmlns:r="http://schemas.openxmlformats.org/officeDocument/2006/relationships" xmlns:p="http://schemas.openxmlformats.org/presentationml/2006/main">
+  <p:cSld>
+    <p:spTree>
+      <p:nvGrpSpPr>
+        <p:cNvPr id="1" name=""/>
+        <p:cNvGrpSpPr/>
+        <p:nvPr/>
+      </p:nvGrpSpPr>
+      <p:grpSpPr>
+        <a:xfrm>
+          <a:off x="0" y="0"/>
+          <a:ext cx="0" cy="0"/>
+          <a:chOff x="0" y="0"/>
+          <a:chExt cx="0" cy="0"/>
+        </a:xfrm>
+      </p:grpSpPr>
+      <p:sp>
+        <p:nvSpPr>
+          <p:cNvPr id="2" name="Slide Image Placeholder 1"/>
+          <p:cNvSpPr>
+            <a:spLocks noGrp="1" noRot="1" noChangeAspect="1"/>
+          </p:cNvSpPr>
+          <p:nvPr>
+            <p:ph type="sldImg"/>
+          </p:nvPr>
+        </p:nvSpPr>
+        <p:spPr/>
+      </p:sp>
+      <p:sp>
+        <p:nvSpPr>
+          <p:cNvPr id="3" name="Notes Placeholder 2"/>
+          <p:cNvSpPr>
+            <a:spLocks noGrp="1"/>
+          </p:cNvSpPr>
+          <p:nvPr>
+            <p:ph type="body" idx="1"/>
+          </p:nvPr>
+        </p:nvSpPr>
+        <p:spPr/>
+        <p:txBody>
+          <a:bodyPr>
+            <a:normAutofit/>
+          </a:bodyPr>
+          <a:lstStyle/>
+          <a:p>
+            <a:endParaRPr lang="en-US"/>
+          </a:p>
+        </p:txBody>
+      </p:sp>
+      <p:sp>
+        <p:nvSpPr>
+          <p:cNvPr id="4" name="Slide Number Placeholder 3"/>
+          <p:cNvSpPr>
+            <a:spLocks noGrp="1"/>
+          </p:cNvSpPr>
+          <p:nvPr>
+            <p:ph type="sldNum" sz="quarter" idx="10"/>
+          </p:nvPr>
+        </p:nvSpPr>
+        <p:spPr/>
+        <p:txBody>
+          <a:bodyPr/>
+          <a:lstStyle/>
+          <a:p>
+            <a:fld id="{1D76769E-C829-4283-B80E-CB90D995C291}" type="slidenum">
+              <a:rPr lang="en-US" smtClean="0"/>
+              <a:pPr/>
+              <a:t>16</a:t>
+            </a:fld>
+            <a:endParaRPr lang="en-US"/>
+          </a:p>
+        </p:txBody>
+      </p:sp>
+    </p:spTree>
+    <p:extLst>
+      <p:ext uri="{BB962C8B-B14F-4D97-AF65-F5344CB8AC3E}">
+        <p14:creationId xmlns:p14="http://schemas.microsoft.com/office/powerpoint/2010/main" val="443407446"/>
+      </p:ext>
+    </p:extLst>
+  </p:cSld>
+  <p:clrMapOvr>
+    <a:masterClrMapping/>
+  </p:clrMapOvr>
+</p:notes>
+</file>
+
+<file path=ppt/notesSlides/notesSlide17.xml><?xml version="1.0" encoding="utf-8"?>
+<p:notes xmlns:a="http://schemas.openxmlformats.org/drawingml/2006/main" xmlns:r="http://schemas.openxmlformats.org/officeDocument/2006/relationships" xmlns:p="http://schemas.openxmlformats.org/presentationml/2006/main">
+  <p:cSld>
+    <p:spTree>
+      <p:nvGrpSpPr>
+        <p:cNvPr id="1" name=""/>
+        <p:cNvGrpSpPr/>
+        <p:nvPr/>
+      </p:nvGrpSpPr>
+      <p:grpSpPr>
+        <a:xfrm>
+          <a:off x="0" y="0"/>
+          <a:ext cx="0" cy="0"/>
+          <a:chOff x="0" y="0"/>
+          <a:chExt cx="0" cy="0"/>
+        </a:xfrm>
+      </p:grpSpPr>
+      <p:sp>
+        <p:nvSpPr>
+          <p:cNvPr id="2" name="Slide Image Placeholder 1"/>
+          <p:cNvSpPr>
+            <a:spLocks noGrp="1" noRot="1" noChangeAspect="1"/>
+          </p:cNvSpPr>
+          <p:nvPr>
+            <p:ph type="sldImg"/>
+          </p:nvPr>
+        </p:nvSpPr>
+        <p:spPr/>
+      </p:sp>
+      <p:sp>
+        <p:nvSpPr>
+          <p:cNvPr id="3" name="Notes Placeholder 2"/>
+          <p:cNvSpPr>
+            <a:spLocks noGrp="1"/>
+          </p:cNvSpPr>
+          <p:nvPr>
+            <p:ph type="body" idx="1"/>
+          </p:nvPr>
+        </p:nvSpPr>
+        <p:spPr/>
+        <p:txBody>
+          <a:bodyPr>
+            <a:normAutofit/>
+          </a:bodyPr>
+          <a:lstStyle/>
+          <a:p>
+            <a:endParaRPr lang="en-US"/>
+          </a:p>
+        </p:txBody>
+      </p:sp>
+      <p:sp>
+        <p:nvSpPr>
+          <p:cNvPr id="4" name="Slide Number Placeholder 3"/>
+          <p:cNvSpPr>
+            <a:spLocks noGrp="1"/>
+          </p:cNvSpPr>
+          <p:nvPr>
+            <p:ph type="sldNum" sz="quarter" idx="10"/>
+          </p:nvPr>
+        </p:nvSpPr>
+        <p:spPr/>
+        <p:txBody>
+          <a:bodyPr/>
+          <a:lstStyle/>
+          <a:p>
+            <a:fld id="{1D76769E-C829-4283-B80E-CB90D995C291}" type="slidenum">
+              <a:rPr lang="en-US" smtClean="0"/>
+              <a:pPr/>
+              <a:t>17</a:t>
+            </a:fld>
+            <a:endParaRPr lang="en-US"/>
+          </a:p>
+        </p:txBody>
+      </p:sp>
+    </p:spTree>
+    <p:extLst>
+      <p:ext uri="{BB962C8B-B14F-4D97-AF65-F5344CB8AC3E}">
+        <p14:creationId xmlns:p14="http://schemas.microsoft.com/office/powerpoint/2010/main" val="1205876918"/>
+      </p:ext>
+    </p:extLst>
+  </p:cSld>
+  <p:clrMapOvr>
+    <a:masterClrMapping/>
+  </p:clrMapOvr>
+</p:notes>
+</file>
+
+<file path=ppt/notesSlides/notesSlide18.xml><?xml version="1.0" encoding="utf-8"?>
+<p:notes xmlns:a="http://schemas.openxmlformats.org/drawingml/2006/main" xmlns:r="http://schemas.openxmlformats.org/officeDocument/2006/relationships" xmlns:p="http://schemas.openxmlformats.org/presentationml/2006/main">
+  <p:cSld>
+    <p:spTree>
+      <p:nvGrpSpPr>
+        <p:cNvPr id="1" name=""/>
+        <p:cNvGrpSpPr/>
+        <p:nvPr/>
+      </p:nvGrpSpPr>
+      <p:grpSpPr>
+        <a:xfrm>
+          <a:off x="0" y="0"/>
+          <a:ext cx="0" cy="0"/>
+          <a:chOff x="0" y="0"/>
+          <a:chExt cx="0" cy="0"/>
+        </a:xfrm>
+      </p:grpSpPr>
+      <p:sp>
+        <p:nvSpPr>
+          <p:cNvPr id="2" name="Slide Image Placeholder 1"/>
+          <p:cNvSpPr>
+            <a:spLocks noGrp="1" noRot="1" noChangeAspect="1"/>
+          </p:cNvSpPr>
+          <p:nvPr>
+            <p:ph type="sldImg"/>
+          </p:nvPr>
+        </p:nvSpPr>
+        <p:spPr/>
+      </p:sp>
+      <p:sp>
+        <p:nvSpPr>
+          <p:cNvPr id="3" name="Notes Placeholder 2"/>
+          <p:cNvSpPr>
+            <a:spLocks noGrp="1"/>
+          </p:cNvSpPr>
+          <p:nvPr>
+            <p:ph type="body" idx="1"/>
+          </p:nvPr>
+        </p:nvSpPr>
+        <p:spPr/>
+        <p:txBody>
+          <a:bodyPr>
+            <a:normAutofit/>
+          </a:bodyPr>
+          <a:lstStyle/>
+          <a:p>
+            <a:endParaRPr lang="en-US"/>
+          </a:p>
+        </p:txBody>
+      </p:sp>
+      <p:sp>
+        <p:nvSpPr>
+          <p:cNvPr id="4" name="Slide Number Placeholder 3"/>
+          <p:cNvSpPr>
+            <a:spLocks noGrp="1"/>
+          </p:cNvSpPr>
+          <p:nvPr>
+            <p:ph type="sldNum" sz="quarter" idx="10"/>
+          </p:nvPr>
+        </p:nvSpPr>
+        <p:spPr/>
+        <p:txBody>
+          <a:bodyPr/>
+          <a:lstStyle/>
+          <a:p>
+            <a:fld id="{1D76769E-C829-4283-B80E-CB90D995C291}" type="slidenum">
+              <a:rPr lang="en-US" smtClean="0"/>
+              <a:pPr/>
+              <a:t>18</a:t>
             </a:fld>
             <a:endParaRPr lang="en-US"/>
           </a:p>
@@ -1092,7 +1532,7 @@
     </p:spTree>
     <p:extLst>
       <p:ext uri="{BB962C8B-B14F-4D97-AF65-F5344CB8AC3E}">
-        <p14:creationId xmlns:p14="http://schemas.microsoft.com/office/powerpoint/2010/main" val="443079278"/>
+        <p14:creationId xmlns:p14="http://schemas.microsoft.com/office/powerpoint/2010/main" val="219814719"/>
       </p:ext>
     </p:extLst>
   </p:cSld>
@@ -1179,7 +1619,7 @@
     </p:spTree>
     <p:extLst>
       <p:ext uri="{BB962C8B-B14F-4D97-AF65-F5344CB8AC3E}">
-        <p14:creationId xmlns:p14="http://schemas.microsoft.com/office/powerpoint/2010/main" val="1889396640"/>
+        <p14:creationId xmlns:p14="http://schemas.microsoft.com/office/powerpoint/2010/main" val="443079278"/>
       </p:ext>
     </p:extLst>
   </p:cSld>
@@ -1266,7 +1706,7 @@
     </p:spTree>
     <p:extLst>
       <p:ext uri="{BB962C8B-B14F-4D97-AF65-F5344CB8AC3E}">
-        <p14:creationId xmlns:p14="http://schemas.microsoft.com/office/powerpoint/2010/main" val="2317610387"/>
+        <p14:creationId xmlns:p14="http://schemas.microsoft.com/office/powerpoint/2010/main" val="4082611449"/>
       </p:ext>
     </p:extLst>
   </p:cSld>
@@ -1353,7 +1793,7 @@
     </p:spTree>
     <p:extLst>
       <p:ext uri="{BB962C8B-B14F-4D97-AF65-F5344CB8AC3E}">
-        <p14:creationId xmlns:p14="http://schemas.microsoft.com/office/powerpoint/2010/main" val="4031482150"/>
+        <p14:creationId xmlns:p14="http://schemas.microsoft.com/office/powerpoint/2010/main" val="1430743141"/>
       </p:ext>
     </p:extLst>
   </p:cSld>
@@ -1440,7 +1880,7 @@
     </p:spTree>
     <p:extLst>
       <p:ext uri="{BB962C8B-B14F-4D97-AF65-F5344CB8AC3E}">
-        <p14:creationId xmlns:p14="http://schemas.microsoft.com/office/powerpoint/2010/main" val="3498856763"/>
+        <p14:creationId xmlns:p14="http://schemas.microsoft.com/office/powerpoint/2010/main" val="1889396640"/>
       </p:ext>
     </p:extLst>
   </p:cSld>
@@ -1527,7 +1967,7 @@
     </p:spTree>
     <p:extLst>
       <p:ext uri="{BB962C8B-B14F-4D97-AF65-F5344CB8AC3E}">
-        <p14:creationId xmlns:p14="http://schemas.microsoft.com/office/powerpoint/2010/main" val="1872188686"/>
+        <p14:creationId xmlns:p14="http://schemas.microsoft.com/office/powerpoint/2010/main" val="2317610387"/>
       </p:ext>
     </p:extLst>
   </p:cSld>
@@ -1614,7 +2054,7 @@
     </p:spTree>
     <p:extLst>
       <p:ext uri="{BB962C8B-B14F-4D97-AF65-F5344CB8AC3E}">
-        <p14:creationId xmlns:p14="http://schemas.microsoft.com/office/powerpoint/2010/main" val="2155400368"/>
+        <p14:creationId xmlns:p14="http://schemas.microsoft.com/office/powerpoint/2010/main" val="4031482150"/>
       </p:ext>
     </p:extLst>
   </p:cSld>
@@ -6283,7 +6723,7 @@
           <a:p>
             <a:r>
               <a:rPr lang="en-US" dirty="0" smtClean="0"/>
-              <a:t>Code Demo</a:t>
+              <a:t>Data Access Layer</a:t>
             </a:r>
             <a:endParaRPr lang="en-US" dirty="0"/>
           </a:p>
@@ -6301,73 +6741,38 @@
         </p:nvSpPr>
         <p:spPr/>
         <p:txBody>
-          <a:bodyPr>
-            <a:normAutofit/>
-          </a:bodyPr>
+          <a:bodyPr/>
           <a:lstStyle/>
           <a:p>
             <a:r>
-              <a:rPr lang="en-US" dirty="0" smtClean="0"/>
-              <a:t>Database</a:t>
+              <a:rPr lang="en-US" dirty="0" err="1" smtClean="0"/>
+              <a:t>AddressBook.Lib</a:t>
             </a:r>
             <a:endParaRPr lang="en-US" dirty="0" smtClean="0"/>
           </a:p>
           <a:p>
             <a:r>
               <a:rPr lang="en-US" dirty="0" smtClean="0"/>
-              <a:t>Model</a:t>
-            </a:r>
-          </a:p>
-          <a:p>
-            <a:r>
-              <a:rPr lang="en-US" dirty="0" smtClean="0"/>
-              <a:t>Repositories</a:t>
-            </a:r>
-          </a:p>
-          <a:p>
-            <a:r>
-              <a:rPr lang="en-US" dirty="0" smtClean="0"/>
-              <a:t>Library</a:t>
-            </a:r>
-          </a:p>
-          <a:p>
-            <a:r>
-              <a:rPr lang="en-US" dirty="0" smtClean="0"/>
-              <a:t>DTOs</a:t>
-            </a:r>
-          </a:p>
-          <a:p>
-            <a:r>
-              <a:rPr lang="en-US" dirty="0" smtClean="0"/>
-              <a:t>MVC4 Controllers / Views / </a:t>
-            </a:r>
+              <a:t>ADO.NET</a:t>
+            </a:r>
+            <a:endParaRPr lang="en-US" dirty="0"/>
+          </a:p>
+          <a:p>
+            <a:r>
+              <a:rPr lang="en-US" dirty="0" smtClean="0"/>
+              <a:t>SQL</a:t>
+            </a:r>
+          </a:p>
+          <a:p>
             <a:r>
               <a:rPr lang="en-US" dirty="0" err="1" smtClean="0"/>
-              <a:t>Javascript</a:t>
+              <a:t>AutoMapper</a:t>
             </a:r>
             <a:endParaRPr lang="en-US" dirty="0" smtClean="0"/>
           </a:p>
-          <a:p>
-            <a:r>
-              <a:rPr lang="en-US" dirty="0" smtClean="0"/>
-              <a:t>Visual Studio Unit Test</a:t>
-            </a:r>
-          </a:p>
-          <a:p>
-            <a:r>
-              <a:rPr lang="en-US" dirty="0" smtClean="0"/>
-              <a:t>Jasmine Unit Test</a:t>
-            </a:r>
-            <a:endParaRPr lang="en-US" dirty="0" smtClean="0"/>
-          </a:p>
         </p:txBody>
       </p:sp>
     </p:spTree>
-    <p:extLst>
-      <p:ext uri="{BB962C8B-B14F-4D97-AF65-F5344CB8AC3E}">
-        <p14:creationId xmlns:p14="http://schemas.microsoft.com/office/powerpoint/2010/main" val="588623786"/>
-      </p:ext>
-    </p:extLst>
   </p:cSld>
   <p:clrMapOvr>
     <a:masterClrMapping/>
@@ -6416,7 +6821,7 @@
           <a:p>
             <a:r>
               <a:rPr lang="en-US" dirty="0" smtClean="0"/>
-              <a:t>Address Book Demo</a:t>
+              <a:t>Business Logic Layer</a:t>
             </a:r>
             <a:endParaRPr lang="en-US" dirty="0"/>
           </a:p>
@@ -6434,22 +6839,39 @@
         </p:nvSpPr>
         <p:spPr/>
         <p:txBody>
-          <a:bodyPr>
-            <a:normAutofit/>
-          </a:bodyPr>
+          <a:bodyPr/>
           <a:lstStyle/>
           <a:p>
             <a:r>
-              <a:rPr lang="en-US" dirty="0" smtClean="0"/>
-              <a:t>Search People</a:t>
+              <a:rPr lang="en-US" dirty="0" err="1" smtClean="0"/>
+              <a:t>AddressBook.Lib</a:t>
+            </a:r>
+            <a:r>
+              <a:rPr lang="en-US" dirty="0" err="1" smtClean="0"/>
+              <a:t>.BLL</a:t>
             </a:r>
             <a:endParaRPr lang="en-US" dirty="0" smtClean="0"/>
           </a:p>
           <a:p>
             <a:r>
-              <a:rPr lang="en-US" dirty="0"/>
-              <a:t>Add New Person / </a:t>
-            </a:r>
+              <a:rPr lang="en-US" dirty="0" smtClean="0"/>
+              <a:t>Customer</a:t>
+            </a:r>
+            <a:endParaRPr lang="en-US" dirty="0"/>
+          </a:p>
+          <a:p>
+            <a:r>
+              <a:rPr lang="en-US" dirty="0" smtClean="0"/>
+              <a:t>Employee</a:t>
+            </a:r>
+          </a:p>
+          <a:p>
+            <a:r>
+              <a:rPr lang="en-US" dirty="0" smtClean="0"/>
+              <a:t>Manager</a:t>
+            </a:r>
+          </a:p>
+          <a:p>
             <a:r>
               <a:rPr lang="en-US" dirty="0" smtClean="0"/>
               <a:t>Relationship</a:t>
@@ -6457,28 +6879,20 @@
           </a:p>
           <a:p>
             <a:r>
-              <a:rPr lang="en-US" dirty="0" smtClean="0"/>
-              <a:t>View Person</a:t>
-            </a:r>
-          </a:p>
-          <a:p>
-            <a:r>
-              <a:rPr lang="en-US" dirty="0" smtClean="0"/>
-              <a:t>Edit Person / Relationship</a:t>
-            </a:r>
-          </a:p>
-          <a:p>
-            <a:r>
-              <a:rPr lang="en-US" dirty="0" smtClean="0"/>
-              <a:t>Delete Person</a:t>
-            </a:r>
+              <a:rPr lang="en-US" dirty="0" err="1" smtClean="0"/>
+              <a:t>SalesPerson</a:t>
+            </a:r>
+            <a:endParaRPr lang="en-US" dirty="0" smtClean="0"/>
+          </a:p>
+          <a:p>
+            <a:endParaRPr lang="en-US" dirty="0" smtClean="0"/>
           </a:p>
         </p:txBody>
       </p:sp>
     </p:spTree>
     <p:extLst>
       <p:ext uri="{BB962C8B-B14F-4D97-AF65-F5344CB8AC3E}">
-        <p14:creationId xmlns:p14="http://schemas.microsoft.com/office/powerpoint/2010/main" val="840724843"/>
+        <p14:creationId xmlns:p14="http://schemas.microsoft.com/office/powerpoint/2010/main" val="1229851738"/>
       </p:ext>
     </p:extLst>
   </p:cSld>
@@ -6528,9 +6942,10 @@
           <a:lstStyle/>
           <a:p>
             <a:r>
-              <a:rPr lang="en-US" dirty="0"/>
-              <a:t>Summarize</a:t>
-            </a:r>
+              <a:rPr lang="en-US" dirty="0" smtClean="0"/>
+              <a:t>Design Patterns</a:t>
+            </a:r>
+            <a:endParaRPr lang="en-US" dirty="0"/>
           </a:p>
         </p:txBody>
       </p:sp>
@@ -6546,39 +6961,19 @@
         </p:nvSpPr>
         <p:spPr/>
         <p:txBody>
-          <a:bodyPr>
-            <a:normAutofit/>
-          </a:bodyPr>
+          <a:bodyPr/>
           <a:lstStyle/>
           <a:p>
             <a:r>
               <a:rPr lang="en-US" dirty="0" smtClean="0"/>
-              <a:t>Database Design</a:t>
-            </a:r>
-          </a:p>
-          <a:p>
-            <a:r>
-              <a:rPr lang="en-US" dirty="0" smtClean="0"/>
-              <a:t>Domain Model</a:t>
-            </a:r>
-          </a:p>
-          <a:p>
-            <a:r>
-              <a:rPr lang="en-US" dirty="0" smtClean="0"/>
-              <a:t>Design Patterns</a:t>
-            </a:r>
-          </a:p>
-          <a:p>
-            <a:r>
-              <a:rPr lang="en-US" dirty="0" smtClean="0"/>
-              <a:t>MVC4 Project</a:t>
-            </a:r>
-            <a:endParaRPr lang="en-US" dirty="0" smtClean="0"/>
-          </a:p>
-          <a:p>
-            <a:r>
-              <a:rPr lang="en-US" dirty="0" smtClean="0"/>
-              <a:t>Unit Testing</a:t>
+              <a:t>Repository Pattern</a:t>
+            </a:r>
+            <a:endParaRPr lang="en-US" dirty="0"/>
+          </a:p>
+          <a:p>
+            <a:r>
+              <a:rPr lang="en-US" dirty="0" smtClean="0"/>
+              <a:t>Data Transfer Objects (DTO) Pattern</a:t>
             </a:r>
           </a:p>
         </p:txBody>
@@ -6586,7 +6981,7 @@
     </p:spTree>
     <p:extLst>
       <p:ext uri="{BB962C8B-B14F-4D97-AF65-F5344CB8AC3E}">
-        <p14:creationId xmlns:p14="http://schemas.microsoft.com/office/powerpoint/2010/main" val="565194389"/>
+        <p14:creationId xmlns:p14="http://schemas.microsoft.com/office/powerpoint/2010/main" val="1882170820"/>
       </p:ext>
     </p:extLst>
   </p:cSld>
@@ -6637,7 +7032,7 @@
           <a:p>
             <a:r>
               <a:rPr lang="en-US" dirty="0" smtClean="0"/>
-              <a:t>Questions / Comments</a:t>
+              <a:t>MVC4 Project</a:t>
             </a:r>
             <a:endParaRPr lang="en-US" dirty="0"/>
           </a:p>
@@ -6660,6 +7055,586 @@
           </a:bodyPr>
           <a:lstStyle/>
           <a:p>
+            <a:r>
+              <a:rPr lang="en-US" dirty="0" smtClean="0"/>
+              <a:t>Model</a:t>
+            </a:r>
+          </a:p>
+          <a:p>
+            <a:r>
+              <a:rPr lang="en-US" dirty="0" smtClean="0"/>
+              <a:t>View</a:t>
+            </a:r>
+          </a:p>
+          <a:p>
+            <a:r>
+              <a:rPr lang="en-US" dirty="0" smtClean="0"/>
+              <a:t>Controller</a:t>
+            </a:r>
+          </a:p>
+          <a:p>
+            <a:r>
+              <a:rPr lang="en-US" dirty="0" smtClean="0"/>
+              <a:t>REST API</a:t>
+            </a:r>
+          </a:p>
+          <a:p>
+            <a:r>
+              <a:rPr lang="en-US" dirty="0" err="1" smtClean="0"/>
+              <a:t>Javascript</a:t>
+            </a:r>
+            <a:endParaRPr lang="en-US" dirty="0" smtClean="0"/>
+          </a:p>
+          <a:p>
+            <a:r>
+              <a:rPr lang="en-US" dirty="0" err="1" smtClean="0"/>
+              <a:t>jQuery</a:t>
+            </a:r>
+            <a:endParaRPr lang="en-US" dirty="0" smtClean="0"/>
+          </a:p>
+          <a:p>
+            <a:r>
+              <a:rPr lang="en-US" dirty="0" err="1" smtClean="0"/>
+              <a:t>jQuery</a:t>
+            </a:r>
+            <a:r>
+              <a:rPr lang="en-US" dirty="0" smtClean="0"/>
+              <a:t> </a:t>
+            </a:r>
+            <a:r>
+              <a:rPr lang="en-US" dirty="0" err="1" smtClean="0"/>
+              <a:t>Datatables</a:t>
+            </a:r>
+            <a:endParaRPr lang="en-US" dirty="0" smtClean="0"/>
+          </a:p>
+          <a:p>
+            <a:r>
+              <a:rPr lang="en-US" dirty="0" smtClean="0"/>
+              <a:t>Twitter Bootstrap 3</a:t>
+            </a:r>
+          </a:p>
+          <a:p>
+            <a:r>
+              <a:rPr lang="en-US" dirty="0" smtClean="0"/>
+              <a:t>HTML5</a:t>
+            </a:r>
+            <a:endParaRPr lang="en-US" dirty="0"/>
+          </a:p>
+        </p:txBody>
+      </p:sp>
+    </p:spTree>
+  </p:cSld>
+  <p:clrMapOvr>
+    <a:masterClrMapping/>
+  </p:clrMapOvr>
+  <p:timing>
+    <p:tnLst>
+      <p:par>
+        <p:cTn id="1" dur="indefinite" restart="never" nodeType="tmRoot"/>
+      </p:par>
+    </p:tnLst>
+  </p:timing>
+</p:sld>
+</file>
+
+<file path=ppt/slides/slide14.xml><?xml version="1.0" encoding="utf-8"?>
+<p:sld xmlns:a="http://schemas.openxmlformats.org/drawingml/2006/main" xmlns:r="http://schemas.openxmlformats.org/officeDocument/2006/relationships" xmlns:p="http://schemas.openxmlformats.org/presentationml/2006/main">
+  <p:cSld>
+    <p:spTree>
+      <p:nvGrpSpPr>
+        <p:cNvPr id="1" name=""/>
+        <p:cNvGrpSpPr/>
+        <p:nvPr/>
+      </p:nvGrpSpPr>
+      <p:grpSpPr>
+        <a:xfrm>
+          <a:off x="0" y="0"/>
+          <a:ext cx="0" cy="0"/>
+          <a:chOff x="0" y="0"/>
+          <a:chExt cx="0" cy="0"/>
+        </a:xfrm>
+      </p:grpSpPr>
+      <p:sp>
+        <p:nvSpPr>
+          <p:cNvPr id="2" name="Rectangle 1"/>
+          <p:cNvSpPr>
+            <a:spLocks noGrp="1"/>
+          </p:cNvSpPr>
+          <p:nvPr>
+            <p:ph type="title"/>
+          </p:nvPr>
+        </p:nvSpPr>
+        <p:spPr/>
+        <p:txBody>
+          <a:bodyPr/>
+          <a:lstStyle/>
+          <a:p>
+            <a:r>
+              <a:rPr lang="en-US" dirty="0" smtClean="0"/>
+              <a:t>Unit Testing</a:t>
+            </a:r>
+            <a:endParaRPr lang="en-US" dirty="0"/>
+          </a:p>
+        </p:txBody>
+      </p:sp>
+      <p:sp>
+        <p:nvSpPr>
+          <p:cNvPr id="3" name="Rectangle 2"/>
+          <p:cNvSpPr>
+            <a:spLocks noGrp="1"/>
+          </p:cNvSpPr>
+          <p:nvPr>
+            <p:ph idx="1"/>
+          </p:nvPr>
+        </p:nvSpPr>
+        <p:spPr/>
+        <p:txBody>
+          <a:bodyPr>
+            <a:normAutofit/>
+          </a:bodyPr>
+          <a:lstStyle/>
+          <a:p>
+            <a:r>
+              <a:rPr lang="en-US" dirty="0" smtClean="0"/>
+              <a:t>Visual Studio Unit Test</a:t>
+            </a:r>
+          </a:p>
+          <a:p>
+            <a:r>
+              <a:rPr lang="en-US" dirty="0" smtClean="0"/>
+              <a:t>Jasmine Unit Test</a:t>
+            </a:r>
+          </a:p>
+        </p:txBody>
+      </p:sp>
+    </p:spTree>
+    <p:extLst>
+      <p:ext uri="{BB962C8B-B14F-4D97-AF65-F5344CB8AC3E}">
+        <p14:creationId xmlns:p14="http://schemas.microsoft.com/office/powerpoint/2010/main" val="533707467"/>
+      </p:ext>
+    </p:extLst>
+  </p:cSld>
+  <p:clrMapOvr>
+    <a:masterClrMapping/>
+  </p:clrMapOvr>
+  <p:timing>
+    <p:tnLst>
+      <p:par>
+        <p:cTn id="1" dur="indefinite" restart="never" nodeType="tmRoot"/>
+      </p:par>
+    </p:tnLst>
+  </p:timing>
+</p:sld>
+</file>
+
+<file path=ppt/slides/slide15.xml><?xml version="1.0" encoding="utf-8"?>
+<p:sld xmlns:a="http://schemas.openxmlformats.org/drawingml/2006/main" xmlns:r="http://schemas.openxmlformats.org/officeDocument/2006/relationships" xmlns:p="http://schemas.openxmlformats.org/presentationml/2006/main">
+  <p:cSld>
+    <p:spTree>
+      <p:nvGrpSpPr>
+        <p:cNvPr id="1" name=""/>
+        <p:cNvGrpSpPr/>
+        <p:nvPr/>
+      </p:nvGrpSpPr>
+      <p:grpSpPr>
+        <a:xfrm>
+          <a:off x="0" y="0"/>
+          <a:ext cx="0" cy="0"/>
+          <a:chOff x="0" y="0"/>
+          <a:chExt cx="0" cy="0"/>
+        </a:xfrm>
+      </p:grpSpPr>
+      <p:sp>
+        <p:nvSpPr>
+          <p:cNvPr id="2" name="Rectangle 1"/>
+          <p:cNvSpPr>
+            <a:spLocks noGrp="1"/>
+          </p:cNvSpPr>
+          <p:nvPr>
+            <p:ph type="title"/>
+          </p:nvPr>
+        </p:nvSpPr>
+        <p:spPr/>
+        <p:txBody>
+          <a:bodyPr/>
+          <a:lstStyle/>
+          <a:p>
+            <a:r>
+              <a:rPr lang="en-US" dirty="0" smtClean="0"/>
+              <a:t>Code Demo</a:t>
+            </a:r>
+            <a:endParaRPr lang="en-US" dirty="0"/>
+          </a:p>
+        </p:txBody>
+      </p:sp>
+      <p:sp>
+        <p:nvSpPr>
+          <p:cNvPr id="3" name="Rectangle 2"/>
+          <p:cNvSpPr>
+            <a:spLocks noGrp="1"/>
+          </p:cNvSpPr>
+          <p:nvPr>
+            <p:ph idx="1"/>
+          </p:nvPr>
+        </p:nvSpPr>
+        <p:spPr/>
+        <p:txBody>
+          <a:bodyPr>
+            <a:normAutofit/>
+          </a:bodyPr>
+          <a:lstStyle/>
+          <a:p>
+            <a:r>
+              <a:rPr lang="en-US" dirty="0" smtClean="0"/>
+              <a:t>Database</a:t>
+            </a:r>
+          </a:p>
+          <a:p>
+            <a:r>
+              <a:rPr lang="en-US" dirty="0" smtClean="0"/>
+              <a:t>Model</a:t>
+            </a:r>
+          </a:p>
+          <a:p>
+            <a:r>
+              <a:rPr lang="en-US" dirty="0" smtClean="0"/>
+              <a:t>Repositories</a:t>
+            </a:r>
+          </a:p>
+          <a:p>
+            <a:r>
+              <a:rPr lang="en-US" dirty="0" smtClean="0"/>
+              <a:t>Library</a:t>
+            </a:r>
+          </a:p>
+          <a:p>
+            <a:r>
+              <a:rPr lang="en-US" dirty="0" smtClean="0"/>
+              <a:t>DTOs</a:t>
+            </a:r>
+          </a:p>
+          <a:p>
+            <a:r>
+              <a:rPr lang="en-US" dirty="0" smtClean="0"/>
+              <a:t>MVC4 Controllers / Views / </a:t>
+            </a:r>
+            <a:r>
+              <a:rPr lang="en-US" dirty="0" err="1" smtClean="0"/>
+              <a:t>Javascript</a:t>
+            </a:r>
+            <a:endParaRPr lang="en-US" dirty="0" smtClean="0"/>
+          </a:p>
+          <a:p>
+            <a:r>
+              <a:rPr lang="en-US" dirty="0" smtClean="0"/>
+              <a:t>Visual Studio Unit Test</a:t>
+            </a:r>
+          </a:p>
+          <a:p>
+            <a:r>
+              <a:rPr lang="en-US" dirty="0" smtClean="0"/>
+              <a:t>Jasmine Unit Test</a:t>
+            </a:r>
+          </a:p>
+        </p:txBody>
+      </p:sp>
+    </p:spTree>
+    <p:extLst>
+      <p:ext uri="{BB962C8B-B14F-4D97-AF65-F5344CB8AC3E}">
+        <p14:creationId xmlns:p14="http://schemas.microsoft.com/office/powerpoint/2010/main" val="588623786"/>
+      </p:ext>
+    </p:extLst>
+  </p:cSld>
+  <p:clrMapOvr>
+    <a:masterClrMapping/>
+  </p:clrMapOvr>
+  <p:timing>
+    <p:tnLst>
+      <p:par>
+        <p:cTn id="1" dur="indefinite" restart="never" nodeType="tmRoot"/>
+      </p:par>
+    </p:tnLst>
+  </p:timing>
+</p:sld>
+</file>
+
+<file path=ppt/slides/slide16.xml><?xml version="1.0" encoding="utf-8"?>
+<p:sld xmlns:a="http://schemas.openxmlformats.org/drawingml/2006/main" xmlns:r="http://schemas.openxmlformats.org/officeDocument/2006/relationships" xmlns:p="http://schemas.openxmlformats.org/presentationml/2006/main">
+  <p:cSld>
+    <p:spTree>
+      <p:nvGrpSpPr>
+        <p:cNvPr id="1" name=""/>
+        <p:cNvGrpSpPr/>
+        <p:nvPr/>
+      </p:nvGrpSpPr>
+      <p:grpSpPr>
+        <a:xfrm>
+          <a:off x="0" y="0"/>
+          <a:ext cx="0" cy="0"/>
+          <a:chOff x="0" y="0"/>
+          <a:chExt cx="0" cy="0"/>
+        </a:xfrm>
+      </p:grpSpPr>
+      <p:sp>
+        <p:nvSpPr>
+          <p:cNvPr id="2" name="Rectangle 1"/>
+          <p:cNvSpPr>
+            <a:spLocks noGrp="1"/>
+          </p:cNvSpPr>
+          <p:nvPr>
+            <p:ph type="title"/>
+          </p:nvPr>
+        </p:nvSpPr>
+        <p:spPr/>
+        <p:txBody>
+          <a:bodyPr/>
+          <a:lstStyle/>
+          <a:p>
+            <a:r>
+              <a:rPr lang="en-US" dirty="0" smtClean="0"/>
+              <a:t>Address Book Demo</a:t>
+            </a:r>
+            <a:endParaRPr lang="en-US" dirty="0"/>
+          </a:p>
+        </p:txBody>
+      </p:sp>
+      <p:sp>
+        <p:nvSpPr>
+          <p:cNvPr id="3" name="Rectangle 2"/>
+          <p:cNvSpPr>
+            <a:spLocks noGrp="1"/>
+          </p:cNvSpPr>
+          <p:nvPr>
+            <p:ph idx="1"/>
+          </p:nvPr>
+        </p:nvSpPr>
+        <p:spPr/>
+        <p:txBody>
+          <a:bodyPr>
+            <a:normAutofit/>
+          </a:bodyPr>
+          <a:lstStyle/>
+          <a:p>
+            <a:r>
+              <a:rPr lang="en-US" dirty="0" smtClean="0"/>
+              <a:t>Search People</a:t>
+            </a:r>
+          </a:p>
+          <a:p>
+            <a:r>
+              <a:rPr lang="en-US" dirty="0"/>
+              <a:t>Add New Person / </a:t>
+            </a:r>
+            <a:r>
+              <a:rPr lang="en-US" dirty="0" smtClean="0"/>
+              <a:t>Relationship</a:t>
+            </a:r>
+          </a:p>
+          <a:p>
+            <a:r>
+              <a:rPr lang="en-US" dirty="0" smtClean="0"/>
+              <a:t>View Person</a:t>
+            </a:r>
+          </a:p>
+          <a:p>
+            <a:r>
+              <a:rPr lang="en-US" dirty="0" smtClean="0"/>
+              <a:t>Edit Person / Relationship</a:t>
+            </a:r>
+          </a:p>
+          <a:p>
+            <a:r>
+              <a:rPr lang="en-US" dirty="0" smtClean="0"/>
+              <a:t>Delete Person</a:t>
+            </a:r>
+          </a:p>
+        </p:txBody>
+      </p:sp>
+    </p:spTree>
+    <p:extLst>
+      <p:ext uri="{BB962C8B-B14F-4D97-AF65-F5344CB8AC3E}">
+        <p14:creationId xmlns:p14="http://schemas.microsoft.com/office/powerpoint/2010/main" val="840724843"/>
+      </p:ext>
+    </p:extLst>
+  </p:cSld>
+  <p:clrMapOvr>
+    <a:masterClrMapping/>
+  </p:clrMapOvr>
+  <p:timing>
+    <p:tnLst>
+      <p:par>
+        <p:cTn id="1" dur="indefinite" restart="never" nodeType="tmRoot"/>
+      </p:par>
+    </p:tnLst>
+  </p:timing>
+</p:sld>
+</file>
+
+<file path=ppt/slides/slide17.xml><?xml version="1.0" encoding="utf-8"?>
+<p:sld xmlns:a="http://schemas.openxmlformats.org/drawingml/2006/main" xmlns:r="http://schemas.openxmlformats.org/officeDocument/2006/relationships" xmlns:p="http://schemas.openxmlformats.org/presentationml/2006/main">
+  <p:cSld>
+    <p:spTree>
+      <p:nvGrpSpPr>
+        <p:cNvPr id="1" name=""/>
+        <p:cNvGrpSpPr/>
+        <p:nvPr/>
+      </p:nvGrpSpPr>
+      <p:grpSpPr>
+        <a:xfrm>
+          <a:off x="0" y="0"/>
+          <a:ext cx="0" cy="0"/>
+          <a:chOff x="0" y="0"/>
+          <a:chExt cx="0" cy="0"/>
+        </a:xfrm>
+      </p:grpSpPr>
+      <p:sp>
+        <p:nvSpPr>
+          <p:cNvPr id="2" name="Rectangle 1"/>
+          <p:cNvSpPr>
+            <a:spLocks noGrp="1"/>
+          </p:cNvSpPr>
+          <p:nvPr>
+            <p:ph type="title"/>
+          </p:nvPr>
+        </p:nvSpPr>
+        <p:spPr/>
+        <p:txBody>
+          <a:bodyPr/>
+          <a:lstStyle/>
+          <a:p>
+            <a:r>
+              <a:rPr lang="en-US" dirty="0" smtClean="0"/>
+              <a:t>Summary</a:t>
+            </a:r>
+            <a:endParaRPr lang="en-US" dirty="0"/>
+          </a:p>
+        </p:txBody>
+      </p:sp>
+      <p:sp>
+        <p:nvSpPr>
+          <p:cNvPr id="3" name="Rectangle 2"/>
+          <p:cNvSpPr>
+            <a:spLocks noGrp="1"/>
+          </p:cNvSpPr>
+          <p:nvPr>
+            <p:ph idx="1"/>
+          </p:nvPr>
+        </p:nvSpPr>
+        <p:spPr/>
+        <p:txBody>
+          <a:bodyPr>
+            <a:normAutofit/>
+          </a:bodyPr>
+          <a:lstStyle/>
+          <a:p>
+            <a:r>
+              <a:rPr lang="en-US" dirty="0" smtClean="0"/>
+              <a:t>Database Design</a:t>
+            </a:r>
+          </a:p>
+          <a:p>
+            <a:r>
+              <a:rPr lang="en-US" dirty="0" smtClean="0"/>
+              <a:t>Domain Model</a:t>
+            </a:r>
+          </a:p>
+          <a:p>
+            <a:r>
+              <a:rPr lang="en-US" dirty="0" smtClean="0"/>
+              <a:t>Design Patterns</a:t>
+            </a:r>
+          </a:p>
+          <a:p>
+            <a:r>
+              <a:rPr lang="en-US" dirty="0" smtClean="0"/>
+              <a:t>MVC4 Project</a:t>
+            </a:r>
+          </a:p>
+          <a:p>
+            <a:r>
+              <a:rPr lang="en-US" dirty="0" smtClean="0"/>
+              <a:t>Unit Testing</a:t>
+            </a:r>
+          </a:p>
+        </p:txBody>
+      </p:sp>
+    </p:spTree>
+    <p:extLst>
+      <p:ext uri="{BB962C8B-B14F-4D97-AF65-F5344CB8AC3E}">
+        <p14:creationId xmlns:p14="http://schemas.microsoft.com/office/powerpoint/2010/main" val="565194389"/>
+      </p:ext>
+    </p:extLst>
+  </p:cSld>
+  <p:clrMapOvr>
+    <a:masterClrMapping/>
+  </p:clrMapOvr>
+  <p:timing>
+    <p:tnLst>
+      <p:par>
+        <p:cTn id="1" dur="indefinite" restart="never" nodeType="tmRoot"/>
+      </p:par>
+    </p:tnLst>
+  </p:timing>
+</p:sld>
+</file>
+
+<file path=ppt/slides/slide18.xml><?xml version="1.0" encoding="utf-8"?>
+<p:sld xmlns:a="http://schemas.openxmlformats.org/drawingml/2006/main" xmlns:r="http://schemas.openxmlformats.org/officeDocument/2006/relationships" xmlns:p="http://schemas.openxmlformats.org/presentationml/2006/main">
+  <p:cSld>
+    <p:spTree>
+      <p:nvGrpSpPr>
+        <p:cNvPr id="1" name=""/>
+        <p:cNvGrpSpPr/>
+        <p:nvPr/>
+      </p:nvGrpSpPr>
+      <p:grpSpPr>
+        <a:xfrm>
+          <a:off x="0" y="0"/>
+          <a:ext cx="0" cy="0"/>
+          <a:chOff x="0" y="0"/>
+          <a:chExt cx="0" cy="0"/>
+        </a:xfrm>
+      </p:grpSpPr>
+      <p:sp>
+        <p:nvSpPr>
+          <p:cNvPr id="2" name="Rectangle 1"/>
+          <p:cNvSpPr>
+            <a:spLocks noGrp="1"/>
+          </p:cNvSpPr>
+          <p:nvPr>
+            <p:ph type="title"/>
+          </p:nvPr>
+        </p:nvSpPr>
+        <p:spPr/>
+        <p:txBody>
+          <a:bodyPr/>
+          <a:lstStyle/>
+          <a:p>
+            <a:r>
+              <a:rPr lang="en-US" dirty="0" smtClean="0"/>
+              <a:t>Questions / Comments</a:t>
+            </a:r>
+            <a:endParaRPr lang="en-US" dirty="0"/>
+          </a:p>
+        </p:txBody>
+      </p:sp>
+      <p:sp>
+        <p:nvSpPr>
+          <p:cNvPr id="3" name="Rectangle 2"/>
+          <p:cNvSpPr>
+            <a:spLocks noGrp="1"/>
+          </p:cNvSpPr>
+          <p:nvPr>
+            <p:ph idx="1"/>
+          </p:nvPr>
+        </p:nvSpPr>
+        <p:spPr/>
+        <p:txBody>
+          <a:bodyPr>
+            <a:normAutofit/>
+          </a:bodyPr>
+          <a:lstStyle/>
+          <a:p>
             <a:pPr marL="109728" indent="0" algn="ctr">
               <a:buNone/>
             </a:pPr>
@@ -6688,7 +7663,6 @@
               <a:rPr lang="en-US" dirty="0" smtClean="0"/>
               <a:t>Questions / Comments?</a:t>
             </a:r>
-            <a:endParaRPr lang="en-US" dirty="0" smtClean="0"/>
           </a:p>
         </p:txBody>
       </p:sp>
@@ -6762,10 +7736,15 @@
             <p:ph idx="1"/>
           </p:nvPr>
         </p:nvSpPr>
-        <p:spPr/>
+        <p:spPr>
+          <a:xfrm>
+            <a:off x="457200" y="1481328"/>
+            <a:ext cx="3733800" cy="4525963"/>
+          </a:xfrm>
+        </p:spPr>
         <p:txBody>
           <a:bodyPr>
-            <a:normAutofit lnSpcReduction="10000"/>
+            <a:normAutofit/>
           </a:bodyPr>
           <a:lstStyle/>
           <a:p>
@@ -6778,6 +7757,12 @@
           <a:p>
             <a:r>
               <a:rPr lang="en-US" dirty="0" smtClean="0"/>
+              <a:t>Mocks</a:t>
+            </a:r>
+          </a:p>
+          <a:p>
+            <a:r>
+              <a:rPr lang="en-US" dirty="0" smtClean="0"/>
               <a:t>Database</a:t>
             </a:r>
             <a:endParaRPr lang="en-US" dirty="0" smtClean="0"/>
@@ -6785,35 +7770,240 @@
           <a:p>
             <a:r>
               <a:rPr lang="en-US" dirty="0" smtClean="0"/>
-              <a:t>Domain Model</a:t>
+              <a:t>Domain </a:t>
+            </a:r>
+            <a:r>
+              <a:rPr lang="en-US" dirty="0" smtClean="0"/>
+              <a:t>Model</a:t>
+            </a:r>
+          </a:p>
+          <a:p>
+            <a:r>
+              <a:rPr lang="en-US" dirty="0" smtClean="0"/>
+              <a:t>Data Access Layer</a:t>
+            </a:r>
+          </a:p>
+          <a:p>
+            <a:r>
+              <a:rPr lang="en-US" dirty="0" smtClean="0"/>
+              <a:t>Business Logic Layer</a:t>
             </a:r>
             <a:endParaRPr lang="en-US" dirty="0" smtClean="0"/>
           </a:p>
           <a:p>
             <a:r>
               <a:rPr lang="en-US" dirty="0" smtClean="0"/>
-              <a:t>Design Patterns</a:t>
-            </a:r>
-          </a:p>
-          <a:p>
-            <a:r>
-              <a:rPr lang="en-US" dirty="0" smtClean="0"/>
-              <a:t>MVC4 </a:t>
-            </a:r>
-            <a:r>
-              <a:rPr lang="en-US" dirty="0" smtClean="0"/>
-              <a:t>Project</a:t>
+              <a:t>Design </a:t>
+            </a:r>
+            <a:r>
+              <a:rPr lang="en-US" dirty="0" smtClean="0"/>
+              <a:t>Patterns</a:t>
             </a:r>
             <a:endParaRPr lang="en-US" dirty="0" smtClean="0"/>
           </a:p>
-          <a:p>
-            <a:r>
-              <a:rPr lang="en-US" dirty="0" smtClean="0"/>
-              <a:t>Unit </a:t>
-            </a:r>
-            <a:r>
-              <a:rPr lang="en-US" dirty="0" smtClean="0"/>
-              <a:t>Testing</a:t>
+        </p:txBody>
+      </p:sp>
+      <p:sp>
+        <p:nvSpPr>
+          <p:cNvPr id="4" name="Rectangle 2"/>
+          <p:cNvSpPr txBox="1">
+            <a:spLocks/>
+          </p:cNvSpPr>
+          <p:nvPr/>
+        </p:nvSpPr>
+        <p:spPr>
+          <a:xfrm>
+            <a:off x="4191000" y="1408211"/>
+            <a:ext cx="3733800" cy="4407091"/>
+          </a:xfrm>
+          <a:prstGeom prst="rect">
+            <a:avLst/>
+          </a:prstGeom>
+        </p:spPr>
+        <p:txBody>
+          <a:bodyPr vert="horz">
+            <a:normAutofit/>
+          </a:bodyPr>
+          <a:lstStyle>
+            <a:lvl1pPr marL="365760" indent="-256032" algn="l" rtl="0" eaLnBrk="1" latinLnBrk="0" hangingPunct="1">
+              <a:spcBef>
+                <a:spcPts val="400"/>
+              </a:spcBef>
+              <a:spcAft>
+                <a:spcPts val="0"/>
+              </a:spcAft>
+              <a:buClr>
+                <a:schemeClr val="accent1"/>
+              </a:buClr>
+              <a:buSzPct val="65000"/>
+              <a:buFont typeface="Wingdings 3"/>
+              <a:buChar char=""/>
+              <a:defRPr sz="2700" kern="1200">
+                <a:solidFill>
+                  <a:schemeClr val="tx1"/>
+                </a:solidFill>
+                <a:latin typeface="+mn-lt"/>
+                <a:ea typeface="+mn-ea"/>
+                <a:cs typeface="+mn-cs"/>
+              </a:defRPr>
+            </a:lvl1pPr>
+            <a:lvl2pPr marL="621792" indent="-228600" algn="l" rtl="0" eaLnBrk="1" latinLnBrk="0" hangingPunct="1">
+              <a:spcBef>
+                <a:spcPts val="324"/>
+              </a:spcBef>
+              <a:buClr>
+                <a:schemeClr val="accent1"/>
+              </a:buClr>
+              <a:buFont typeface="Verdana"/>
+              <a:buChar char="◦"/>
+              <a:defRPr sz="2300" kern="1200">
+                <a:solidFill>
+                  <a:schemeClr val="tx1"/>
+                </a:solidFill>
+                <a:latin typeface="+mn-lt"/>
+                <a:ea typeface="+mn-ea"/>
+                <a:cs typeface="+mn-cs"/>
+              </a:defRPr>
+            </a:lvl2pPr>
+            <a:lvl3pPr marL="859536" indent="-228600" algn="l" rtl="0" eaLnBrk="1" latinLnBrk="0" hangingPunct="1">
+              <a:spcBef>
+                <a:spcPts val="350"/>
+              </a:spcBef>
+              <a:buClr>
+                <a:schemeClr val="accent2"/>
+              </a:buClr>
+              <a:buSzPct val="100000"/>
+              <a:buFont typeface="Wingdings 2"/>
+              <a:buChar char=""/>
+              <a:defRPr sz="2100" kern="1200">
+                <a:solidFill>
+                  <a:schemeClr val="tx1"/>
+                </a:solidFill>
+                <a:latin typeface="+mn-lt"/>
+                <a:ea typeface="+mn-ea"/>
+                <a:cs typeface="+mn-cs"/>
+              </a:defRPr>
+            </a:lvl3pPr>
+            <a:lvl4pPr marL="1143000" indent="-228600" algn="l" rtl="0" eaLnBrk="1" latinLnBrk="0" hangingPunct="1">
+              <a:spcBef>
+                <a:spcPts val="350"/>
+              </a:spcBef>
+              <a:buClr>
+                <a:schemeClr val="accent2"/>
+              </a:buClr>
+              <a:buFont typeface="Wingdings 2"/>
+              <a:buChar char=""/>
+              <a:defRPr sz="1900" kern="1200">
+                <a:solidFill>
+                  <a:schemeClr val="tx1"/>
+                </a:solidFill>
+                <a:latin typeface="+mn-lt"/>
+                <a:ea typeface="+mn-ea"/>
+                <a:cs typeface="+mn-cs"/>
+              </a:defRPr>
+            </a:lvl4pPr>
+            <a:lvl5pPr marL="1371600" indent="-228600" algn="l" rtl="0" eaLnBrk="1" latinLnBrk="0" hangingPunct="1">
+              <a:spcBef>
+                <a:spcPts val="350"/>
+              </a:spcBef>
+              <a:buClr>
+                <a:schemeClr val="accent2"/>
+              </a:buClr>
+              <a:buFont typeface="Wingdings 2"/>
+              <a:buChar char=""/>
+              <a:defRPr sz="1800" kern="1200">
+                <a:solidFill>
+                  <a:schemeClr val="tx1"/>
+                </a:solidFill>
+                <a:latin typeface="+mn-lt"/>
+                <a:ea typeface="+mn-ea"/>
+                <a:cs typeface="+mn-cs"/>
+              </a:defRPr>
+            </a:lvl5pPr>
+            <a:lvl6pPr marL="1600200" indent="-228600" algn="l" rtl="0" eaLnBrk="1" latinLnBrk="0" hangingPunct="1">
+              <a:spcBef>
+                <a:spcPts val="350"/>
+              </a:spcBef>
+              <a:buClr>
+                <a:schemeClr val="accent3"/>
+              </a:buClr>
+              <a:buFont typeface="Wingdings 2"/>
+              <a:buChar char=""/>
+              <a:defRPr sz="1800" kern="1200">
+                <a:solidFill>
+                  <a:schemeClr val="tx1"/>
+                </a:solidFill>
+                <a:latin typeface="+mn-lt"/>
+                <a:ea typeface="+mn-ea"/>
+                <a:cs typeface="+mn-cs"/>
+              </a:defRPr>
+            </a:lvl6pPr>
+            <a:lvl7pPr marL="1828800" indent="-228600" algn="l" rtl="0" eaLnBrk="1" latinLnBrk="0" hangingPunct="1">
+              <a:spcBef>
+                <a:spcPts val="350"/>
+              </a:spcBef>
+              <a:buClr>
+                <a:schemeClr val="accent3"/>
+              </a:buClr>
+              <a:buFont typeface="Wingdings 2"/>
+              <a:buChar char=""/>
+              <a:defRPr sz="1600" kern="1200">
+                <a:solidFill>
+                  <a:schemeClr val="tx1"/>
+                </a:solidFill>
+                <a:latin typeface="+mn-lt"/>
+                <a:ea typeface="+mn-ea"/>
+                <a:cs typeface="+mn-cs"/>
+              </a:defRPr>
+            </a:lvl7pPr>
+            <a:lvl8pPr marL="2057400" indent="-228600" algn="l" rtl="0" eaLnBrk="1" latinLnBrk="0" hangingPunct="1">
+              <a:spcBef>
+                <a:spcPts val="350"/>
+              </a:spcBef>
+              <a:buClr>
+                <a:schemeClr val="accent3"/>
+              </a:buClr>
+              <a:buFont typeface="Wingdings 2"/>
+              <a:buChar char=""/>
+              <a:defRPr sz="1600" kern="1200">
+                <a:solidFill>
+                  <a:schemeClr val="tx1"/>
+                </a:solidFill>
+                <a:latin typeface="+mn-lt"/>
+                <a:ea typeface="+mn-ea"/>
+                <a:cs typeface="+mn-cs"/>
+              </a:defRPr>
+            </a:lvl8pPr>
+            <a:lvl9pPr marL="2286000" indent="-228600" algn="l" rtl="0" eaLnBrk="1" latinLnBrk="0" hangingPunct="1">
+              <a:spcBef>
+                <a:spcPts val="350"/>
+              </a:spcBef>
+              <a:buClr>
+                <a:schemeClr val="accent3"/>
+              </a:buClr>
+              <a:buFont typeface="Wingdings 2"/>
+              <a:buChar char=""/>
+              <a:defRPr sz="1600" kern="1200" baseline="0">
+                <a:solidFill>
+                  <a:schemeClr val="tx1"/>
+                </a:solidFill>
+                <a:latin typeface="+mn-lt"/>
+                <a:ea typeface="+mn-ea"/>
+                <a:cs typeface="+mn-cs"/>
+              </a:defRPr>
+            </a:lvl9pPr>
+            <a:extLst/>
+          </a:lstStyle>
+          <a:p>
+            <a:r>
+              <a:rPr lang="en-US" dirty="0" smtClean="0"/>
+              <a:t>MVC4 Project</a:t>
+            </a:r>
+          </a:p>
+          <a:p>
+            <a:r>
+              <a:rPr lang="en-US" dirty="0" smtClean="0"/>
+              <a:t>Unit Testing</a:t>
             </a:r>
           </a:p>
           <a:p>
@@ -6827,12 +8017,11 @@
               <a:rPr lang="en-US" dirty="0" smtClean="0"/>
               <a:t>Address Book Demo</a:t>
             </a:r>
-            <a:endParaRPr lang="en-US" dirty="0" smtClean="0"/>
-          </a:p>
-          <a:p>
-            <a:r>
-              <a:rPr lang="en-US" dirty="0" smtClean="0"/>
-              <a:t>Summarize</a:t>
+          </a:p>
+          <a:p>
+            <a:r>
+              <a:rPr lang="en-US" dirty="0" smtClean="0"/>
+              <a:t>Summary</a:t>
             </a:r>
           </a:p>
           <a:p>
@@ -6924,11 +8113,7 @@
             <a:pPr lvl="1"/>
             <a:r>
               <a:rPr lang="en-US" dirty="0" smtClean="0"/>
-              <a:t>Demo Address </a:t>
-            </a:r>
-            <a:r>
-              <a:rPr lang="en-US" dirty="0" smtClean="0"/>
-              <a:t>Book Project</a:t>
+              <a:t>Demo Address Book Project</a:t>
             </a:r>
           </a:p>
           <a:p>
@@ -6984,6 +8169,11 @@
         </p:txBody>
       </p:sp>
     </p:spTree>
+    <p:extLst>
+      <p:ext uri="{BB962C8B-B14F-4D97-AF65-F5344CB8AC3E}">
+        <p14:creationId xmlns:p14="http://schemas.microsoft.com/office/powerpoint/2010/main" val="99352537"/>
+      </p:ext>
+    </p:extLst>
   </p:cSld>
   <p:clrMapOvr>
     <a:masterClrMapping/>
@@ -7032,85 +8222,42 @@
           <a:p>
             <a:r>
               <a:rPr lang="en-US" dirty="0" smtClean="0"/>
-              <a:t>Database Overview</a:t>
+              <a:t>Mock – Landing Page</a:t>
             </a:r>
             <a:endParaRPr lang="en-US" dirty="0"/>
           </a:p>
         </p:txBody>
       </p:sp>
-      <p:sp>
-        <p:nvSpPr>
-          <p:cNvPr id="3" name="Rectangle 2"/>
-          <p:cNvSpPr>
-            <a:spLocks noGrp="1"/>
-          </p:cNvSpPr>
-          <p:nvPr>
-            <p:ph idx="1"/>
-          </p:nvPr>
-        </p:nvSpPr>
-        <p:spPr/>
-        <p:txBody>
-          <a:bodyPr/>
-          <a:lstStyle/>
-          <a:p>
-            <a:r>
-              <a:rPr lang="en-US" dirty="0" smtClean="0"/>
-              <a:t>Database Tables</a:t>
-            </a:r>
-            <a:endParaRPr lang="en-US" dirty="0"/>
-          </a:p>
-          <a:p>
-            <a:pPr lvl="1"/>
-            <a:r>
-              <a:rPr lang="en-US" dirty="0" smtClean="0"/>
-              <a:t>Customer</a:t>
-            </a:r>
-          </a:p>
-          <a:p>
-            <a:pPr lvl="1"/>
-            <a:r>
-              <a:rPr lang="en-US" dirty="0" smtClean="0"/>
-              <a:t>Manager</a:t>
-            </a:r>
-          </a:p>
-          <a:p>
-            <a:pPr lvl="1"/>
-            <a:r>
-              <a:rPr lang="en-US" dirty="0" smtClean="0"/>
-              <a:t>Employee</a:t>
-            </a:r>
-          </a:p>
-          <a:p>
-            <a:pPr lvl="1"/>
-            <a:r>
-              <a:rPr lang="en-US" dirty="0" smtClean="0"/>
-              <a:t>Sales Person</a:t>
-            </a:r>
-          </a:p>
-          <a:p>
-            <a:pPr lvl="1"/>
-            <a:r>
-              <a:rPr lang="en-US" dirty="0" err="1" smtClean="0"/>
-              <a:t>RelationshipTree</a:t>
-            </a:r>
-            <a:endParaRPr lang="en-US" dirty="0" smtClean="0"/>
-          </a:p>
-          <a:p>
-            <a:r>
-              <a:rPr lang="en-US" dirty="0" smtClean="0"/>
-              <a:t>Database Views</a:t>
-            </a:r>
-          </a:p>
-          <a:p>
-            <a:pPr lvl="1"/>
-            <a:r>
-              <a:rPr lang="en-US" dirty="0" smtClean="0"/>
-              <a:t>Created associated views to only show records that have not been marked deleted</a:t>
-            </a:r>
-            <a:endParaRPr lang="en-US" dirty="0"/>
-          </a:p>
-        </p:txBody>
-      </p:sp>
+      <p:pic>
+        <p:nvPicPr>
+          <p:cNvPr id="6" name="Picture 5" descr="Screen Clipping"/>
+          <p:cNvPicPr>
+            <a:picLocks noChangeAspect="1"/>
+          </p:cNvPicPr>
+          <p:nvPr/>
+        </p:nvPicPr>
+        <p:blipFill>
+          <a:blip r:embed="rId3">
+            <a:extLst>
+              <a:ext uri="{28A0092B-C50C-407E-A947-70E740481C1C}">
+                <a14:useLocalDpi xmlns:a14="http://schemas.microsoft.com/office/drawing/2010/main" val="0"/>
+              </a:ext>
+            </a:extLst>
+          </a:blip>
+          <a:stretch>
+            <a:fillRect/>
+          </a:stretch>
+        </p:blipFill>
+        <p:spPr>
+          <a:xfrm>
+            <a:off x="1524000" y="1430207"/>
+            <a:ext cx="7475868" cy="4663844"/>
+          </a:xfrm>
+          <a:prstGeom prst="rect">
+            <a:avLst/>
+          </a:prstGeom>
+        </p:spPr>
+      </p:pic>
     </p:spTree>
   </p:cSld>
   <p:clrMapOvr>
@@ -7160,20 +8307,87 @@
           <a:p>
             <a:r>
               <a:rPr lang="en-US" dirty="0" smtClean="0"/>
-              <a:t>Domain Model</a:t>
+              <a:t>Mock – Add/Edit Popup</a:t>
             </a:r>
             <a:endParaRPr lang="en-US" dirty="0"/>
           </a:p>
         </p:txBody>
       </p:sp>
-      <p:sp>
-        <p:nvSpPr>
-          <p:cNvPr id="3" name="Rectangle 2"/>
-          <p:cNvSpPr>
-            <a:spLocks noGrp="1"/>
-          </p:cNvSpPr>
-          <p:nvPr>
-            <p:ph idx="1"/>
+      <p:pic>
+        <p:nvPicPr>
+          <p:cNvPr id="3" name="Picture 2" descr="Screen Clipping"/>
+          <p:cNvPicPr>
+            <a:picLocks noChangeAspect="1"/>
+          </p:cNvPicPr>
+          <p:nvPr/>
+        </p:nvPicPr>
+        <p:blipFill>
+          <a:blip r:embed="rId3">
+            <a:extLst>
+              <a:ext uri="{28A0092B-C50C-407E-A947-70E740481C1C}">
+                <a14:useLocalDpi xmlns:a14="http://schemas.microsoft.com/office/drawing/2010/main" val="0"/>
+              </a:ext>
+            </a:extLst>
+          </a:blip>
+          <a:stretch>
+            <a:fillRect/>
+          </a:stretch>
+        </p:blipFill>
+        <p:spPr>
+          <a:xfrm>
+            <a:off x="1752600" y="1295400"/>
+            <a:ext cx="7155800" cy="4656223"/>
+          </a:xfrm>
+          <a:prstGeom prst="rect">
+            <a:avLst/>
+          </a:prstGeom>
+        </p:spPr>
+      </p:pic>
+    </p:spTree>
+    <p:extLst>
+      <p:ext uri="{BB962C8B-B14F-4D97-AF65-F5344CB8AC3E}">
+        <p14:creationId xmlns:p14="http://schemas.microsoft.com/office/powerpoint/2010/main" val="3354013692"/>
+      </p:ext>
+    </p:extLst>
+  </p:cSld>
+  <p:clrMapOvr>
+    <a:masterClrMapping/>
+  </p:clrMapOvr>
+  <p:timing>
+    <p:tnLst>
+      <p:par>
+        <p:cTn id="1" dur="indefinite" restart="never" nodeType="tmRoot"/>
+      </p:par>
+    </p:tnLst>
+  </p:timing>
+</p:sld>
+</file>
+
+<file path=ppt/slides/slide6.xml><?xml version="1.0" encoding="utf-8"?>
+<p:sld xmlns:a="http://schemas.openxmlformats.org/drawingml/2006/main" xmlns:r="http://schemas.openxmlformats.org/officeDocument/2006/relationships" xmlns:p="http://schemas.openxmlformats.org/presentationml/2006/main">
+  <p:cSld>
+    <p:spTree>
+      <p:nvGrpSpPr>
+        <p:cNvPr id="1" name=""/>
+        <p:cNvGrpSpPr/>
+        <p:nvPr/>
+      </p:nvGrpSpPr>
+      <p:grpSpPr>
+        <a:xfrm>
+          <a:off x="0" y="0"/>
+          <a:ext cx="0" cy="0"/>
+          <a:chOff x="0" y="0"/>
+          <a:chExt cx="0" cy="0"/>
+        </a:xfrm>
+      </p:grpSpPr>
+      <p:sp>
+        <p:nvSpPr>
+          <p:cNvPr id="2" name="Rectangle 1"/>
+          <p:cNvSpPr>
+            <a:spLocks noGrp="1"/>
+          </p:cNvSpPr>
+          <p:nvPr>
+            <p:ph type="title"/>
           </p:nvPr>
         </p:nvSpPr>
         <p:spPr/>
@@ -7183,8 +8397,122 @@
           <a:p>
             <a:r>
               <a:rPr lang="en-US" dirty="0" smtClean="0"/>
-              <a:t>Concrete Classes</a:t>
-            </a:r>
+              <a:t>Mock – Architecture</a:t>
+            </a:r>
+            <a:endParaRPr lang="en-US" dirty="0"/>
+          </a:p>
+        </p:txBody>
+      </p:sp>
+      <p:pic>
+        <p:nvPicPr>
+          <p:cNvPr id="5" name="Picture 4" descr="Screen Clipping"/>
+          <p:cNvPicPr>
+            <a:picLocks noChangeAspect="1"/>
+          </p:cNvPicPr>
+          <p:nvPr/>
+        </p:nvPicPr>
+        <p:blipFill>
+          <a:blip r:embed="rId3">
+            <a:extLst>
+              <a:ext uri="{28A0092B-C50C-407E-A947-70E740481C1C}">
+                <a14:useLocalDpi xmlns:a14="http://schemas.microsoft.com/office/drawing/2010/main" val="0"/>
+              </a:ext>
+            </a:extLst>
+          </a:blip>
+          <a:stretch>
+            <a:fillRect/>
+          </a:stretch>
+        </p:blipFill>
+        <p:spPr>
+          <a:xfrm>
+            <a:off x="1600200" y="1219200"/>
+            <a:ext cx="7376799" cy="5128704"/>
+          </a:xfrm>
+          <a:prstGeom prst="rect">
+            <a:avLst/>
+          </a:prstGeom>
+        </p:spPr>
+      </p:pic>
+    </p:spTree>
+    <p:extLst>
+      <p:ext uri="{BB962C8B-B14F-4D97-AF65-F5344CB8AC3E}">
+        <p14:creationId xmlns:p14="http://schemas.microsoft.com/office/powerpoint/2010/main" val="1233252437"/>
+      </p:ext>
+    </p:extLst>
+  </p:cSld>
+  <p:clrMapOvr>
+    <a:masterClrMapping/>
+  </p:clrMapOvr>
+  <p:timing>
+    <p:tnLst>
+      <p:par>
+        <p:cTn id="1" dur="indefinite" restart="never" nodeType="tmRoot"/>
+      </p:par>
+    </p:tnLst>
+  </p:timing>
+</p:sld>
+</file>
+
+<file path=ppt/slides/slide7.xml><?xml version="1.0" encoding="utf-8"?>
+<p:sld xmlns:a="http://schemas.openxmlformats.org/drawingml/2006/main" xmlns:r="http://schemas.openxmlformats.org/officeDocument/2006/relationships" xmlns:p="http://schemas.openxmlformats.org/presentationml/2006/main">
+  <p:cSld>
+    <p:spTree>
+      <p:nvGrpSpPr>
+        <p:cNvPr id="1" name=""/>
+        <p:cNvGrpSpPr/>
+        <p:nvPr/>
+      </p:nvGrpSpPr>
+      <p:grpSpPr>
+        <a:xfrm>
+          <a:off x="0" y="0"/>
+          <a:ext cx="0" cy="0"/>
+          <a:chOff x="0" y="0"/>
+          <a:chExt cx="0" cy="0"/>
+        </a:xfrm>
+      </p:grpSpPr>
+      <p:sp>
+        <p:nvSpPr>
+          <p:cNvPr id="2" name="Rectangle 1"/>
+          <p:cNvSpPr>
+            <a:spLocks noGrp="1"/>
+          </p:cNvSpPr>
+          <p:nvPr>
+            <p:ph type="title"/>
+          </p:nvPr>
+        </p:nvSpPr>
+        <p:spPr/>
+        <p:txBody>
+          <a:bodyPr/>
+          <a:lstStyle/>
+          <a:p>
+            <a:r>
+              <a:rPr lang="en-US" dirty="0" smtClean="0"/>
+              <a:t>Database Overview</a:t>
+            </a:r>
+            <a:endParaRPr lang="en-US" dirty="0"/>
+          </a:p>
+        </p:txBody>
+      </p:sp>
+      <p:sp>
+        <p:nvSpPr>
+          <p:cNvPr id="3" name="Rectangle 2"/>
+          <p:cNvSpPr>
+            <a:spLocks noGrp="1"/>
+          </p:cNvSpPr>
+          <p:nvPr>
+            <p:ph idx="1"/>
+          </p:nvPr>
+        </p:nvSpPr>
+        <p:spPr/>
+        <p:txBody>
+          <a:bodyPr/>
+          <a:lstStyle/>
+          <a:p>
+            <a:r>
+              <a:rPr lang="en-US" dirty="0" smtClean="0"/>
+              <a:t>Database Tables</a:t>
+            </a:r>
+            <a:endParaRPr lang="en-US" dirty="0"/>
           </a:p>
           <a:p>
             <a:pPr lvl="1"/>
@@ -7197,6 +8525,13 @@
             <a:pPr lvl="1"/>
             <a:r>
               <a:rPr lang="en-US" dirty="0" smtClean="0"/>
+              <a:t>Manager</a:t>
+            </a:r>
+          </a:p>
+          <a:p>
+            <a:pPr lvl="1"/>
+            <a:r>
+              <a:rPr lang="en-US" dirty="0" smtClean="0"/>
               <a:t>Employee</a:t>
             </a:r>
           </a:p>
@@ -7204,58 +8539,29 @@
             <a:pPr lvl="1"/>
             <a:r>
               <a:rPr lang="en-US" dirty="0" smtClean="0"/>
-              <a:t>Manager</a:t>
+              <a:t>Sales Person</a:t>
             </a:r>
           </a:p>
           <a:p>
             <a:pPr lvl="1"/>
             <a:r>
-              <a:rPr lang="en-US" dirty="0" smtClean="0"/>
-              <a:t>Sales Person</a:t>
+              <a:rPr lang="en-US" dirty="0" err="1" smtClean="0"/>
+              <a:t>RelationshipTree</a:t>
+            </a:r>
+            <a:endParaRPr lang="en-US" dirty="0" smtClean="0"/>
+          </a:p>
+          <a:p>
+            <a:r>
+              <a:rPr lang="en-US" dirty="0" smtClean="0"/>
+              <a:t>Database Views</a:t>
             </a:r>
           </a:p>
           <a:p>
             <a:pPr lvl="1"/>
             <a:r>
               <a:rPr lang="en-US" dirty="0" smtClean="0"/>
-              <a:t>Tree</a:t>
-            </a:r>
-          </a:p>
-          <a:p>
-            <a:pPr lvl="1"/>
-            <a:r>
-              <a:rPr lang="en-US" dirty="0" smtClean="0"/>
-              <a:t>Leaf</a:t>
-            </a:r>
-          </a:p>
-          <a:p>
-            <a:r>
-              <a:rPr lang="en-US" dirty="0" smtClean="0"/>
-              <a:t>Abstract Classes</a:t>
-            </a:r>
-          </a:p>
-          <a:p>
-            <a:pPr lvl="1"/>
-            <a:r>
-              <a:rPr lang="en-US" dirty="0" smtClean="0"/>
-              <a:t>Entity</a:t>
-            </a:r>
-          </a:p>
-          <a:p>
-            <a:pPr lvl="1"/>
-            <a:r>
-              <a:rPr lang="en-US" dirty="0" smtClean="0"/>
-              <a:t>Person</a:t>
-            </a:r>
-          </a:p>
-          <a:p>
-            <a:pPr lvl="1"/>
-            <a:r>
-              <a:rPr lang="en-US" dirty="0" smtClean="0"/>
-              <a:t>Personnel</a:t>
-            </a:r>
-          </a:p>
-          <a:p>
+              <a:t>Created associated views to only show records that have not been marked deleted</a:t>
+            </a:r>
             <a:endParaRPr lang="en-US" dirty="0"/>
           </a:p>
         </p:txBody>
@@ -7275,7 +8581,156 @@
 </p:sld>
 </file>
 
-<file path=ppt/slides/slide6.xml><?xml version="1.0" encoding="utf-8"?>
+<file path=ppt/slides/slide8.xml><?xml version="1.0" encoding="utf-8"?>
+<p:sld xmlns:a="http://schemas.openxmlformats.org/drawingml/2006/main" xmlns:r="http://schemas.openxmlformats.org/officeDocument/2006/relationships" xmlns:p="http://schemas.openxmlformats.org/presentationml/2006/main">
+  <p:cSld>
+    <p:spTree>
+      <p:nvGrpSpPr>
+        <p:cNvPr id="1" name=""/>
+        <p:cNvGrpSpPr/>
+        <p:nvPr/>
+      </p:nvGrpSpPr>
+      <p:grpSpPr>
+        <a:xfrm>
+          <a:off x="0" y="0"/>
+          <a:ext cx="0" cy="0"/>
+          <a:chOff x="0" y="0"/>
+          <a:chExt cx="0" cy="0"/>
+        </a:xfrm>
+      </p:grpSpPr>
+      <p:sp>
+        <p:nvSpPr>
+          <p:cNvPr id="2" name="Rectangle 1"/>
+          <p:cNvSpPr>
+            <a:spLocks noGrp="1"/>
+          </p:cNvSpPr>
+          <p:nvPr>
+            <p:ph type="title"/>
+          </p:nvPr>
+        </p:nvSpPr>
+        <p:spPr/>
+        <p:txBody>
+          <a:bodyPr/>
+          <a:lstStyle/>
+          <a:p>
+            <a:r>
+              <a:rPr lang="en-US" dirty="0" smtClean="0"/>
+              <a:t>Domain Model</a:t>
+            </a:r>
+            <a:endParaRPr lang="en-US" dirty="0"/>
+          </a:p>
+        </p:txBody>
+      </p:sp>
+      <p:sp>
+        <p:nvSpPr>
+          <p:cNvPr id="3" name="Rectangle 2"/>
+          <p:cNvSpPr>
+            <a:spLocks noGrp="1"/>
+          </p:cNvSpPr>
+          <p:nvPr>
+            <p:ph idx="1"/>
+          </p:nvPr>
+        </p:nvSpPr>
+        <p:spPr/>
+        <p:txBody>
+          <a:bodyPr/>
+          <a:lstStyle/>
+          <a:p>
+            <a:r>
+              <a:rPr lang="en-US" dirty="0" smtClean="0"/>
+              <a:t>Concrete Classes</a:t>
+            </a:r>
+          </a:p>
+          <a:p>
+            <a:pPr lvl="1"/>
+            <a:r>
+              <a:rPr lang="en-US" dirty="0" smtClean="0"/>
+              <a:t>Customer</a:t>
+            </a:r>
+          </a:p>
+          <a:p>
+            <a:pPr lvl="1"/>
+            <a:r>
+              <a:rPr lang="en-US" dirty="0" smtClean="0"/>
+              <a:t>Employee</a:t>
+            </a:r>
+          </a:p>
+          <a:p>
+            <a:pPr lvl="1"/>
+            <a:r>
+              <a:rPr lang="en-US" dirty="0" smtClean="0"/>
+              <a:t>Manager</a:t>
+            </a:r>
+          </a:p>
+          <a:p>
+            <a:pPr lvl="1"/>
+            <a:r>
+              <a:rPr lang="en-US" dirty="0" smtClean="0"/>
+              <a:t>Sales Person</a:t>
+            </a:r>
+          </a:p>
+          <a:p>
+            <a:pPr lvl="1"/>
+            <a:r>
+              <a:rPr lang="en-US" dirty="0" smtClean="0"/>
+              <a:t>Tree</a:t>
+            </a:r>
+          </a:p>
+          <a:p>
+            <a:pPr lvl="1"/>
+            <a:r>
+              <a:rPr lang="en-US" dirty="0" smtClean="0"/>
+              <a:t>Leaf</a:t>
+            </a:r>
+          </a:p>
+          <a:p>
+            <a:r>
+              <a:rPr lang="en-US" dirty="0" smtClean="0"/>
+              <a:t>Abstract Classes</a:t>
+            </a:r>
+          </a:p>
+          <a:p>
+            <a:pPr lvl="1"/>
+            <a:r>
+              <a:rPr lang="en-US" dirty="0" smtClean="0"/>
+              <a:t>Entity</a:t>
+            </a:r>
+          </a:p>
+          <a:p>
+            <a:pPr lvl="1"/>
+            <a:r>
+              <a:rPr lang="en-US" dirty="0" smtClean="0"/>
+              <a:t>Person</a:t>
+            </a:r>
+          </a:p>
+          <a:p>
+            <a:pPr lvl="1"/>
+            <a:r>
+              <a:rPr lang="en-US" dirty="0" smtClean="0"/>
+              <a:t>Personnel</a:t>
+            </a:r>
+          </a:p>
+          <a:p>
+            <a:endParaRPr lang="en-US" dirty="0"/>
+          </a:p>
+        </p:txBody>
+      </p:sp>
+    </p:spTree>
+  </p:cSld>
+  <p:clrMapOvr>
+    <a:masterClrMapping/>
+  </p:clrMapOvr>
+  <p:timing>
+    <p:tnLst>
+      <p:par>
+        <p:cTn id="1" dur="indefinite" restart="never" nodeType="tmRoot"/>
+      </p:par>
+    </p:tnLst>
+  </p:timing>
+</p:sld>
+</file>
+
+<file path=ppt/slides/slide9.xml><?xml version="1.0" encoding="utf-8"?>
 <p:sld xmlns:a="http://schemas.openxmlformats.org/drawingml/2006/main" xmlns:r="http://schemas.openxmlformats.org/officeDocument/2006/relationships" xmlns:p="http://schemas.openxmlformats.org/presentationml/2006/main">
   <p:cSld>
     <p:spTree>
@@ -7370,323 +8825,6 @@
         </p:spPr>
       </p:pic>
     </p:spTree>
-  </p:cSld>
-  <p:clrMapOvr>
-    <a:masterClrMapping/>
-  </p:clrMapOvr>
-  <p:timing>
-    <p:tnLst>
-      <p:par>
-        <p:cTn id="1" dur="indefinite" restart="never" nodeType="tmRoot"/>
-      </p:par>
-    </p:tnLst>
-  </p:timing>
-</p:sld>
-</file>
-
-<file path=ppt/slides/slide7.xml><?xml version="1.0" encoding="utf-8"?>
-<p:sld xmlns:a="http://schemas.openxmlformats.org/drawingml/2006/main" xmlns:r="http://schemas.openxmlformats.org/officeDocument/2006/relationships" xmlns:p="http://schemas.openxmlformats.org/presentationml/2006/main">
-  <p:cSld>
-    <p:spTree>
-      <p:nvGrpSpPr>
-        <p:cNvPr id="1" name=""/>
-        <p:cNvGrpSpPr/>
-        <p:nvPr/>
-      </p:nvGrpSpPr>
-      <p:grpSpPr>
-        <a:xfrm>
-          <a:off x="0" y="0"/>
-          <a:ext cx="0" cy="0"/>
-          <a:chOff x="0" y="0"/>
-          <a:chExt cx="0" cy="0"/>
-        </a:xfrm>
-      </p:grpSpPr>
-      <p:sp>
-        <p:nvSpPr>
-          <p:cNvPr id="2" name="Rectangle 1"/>
-          <p:cNvSpPr>
-            <a:spLocks noGrp="1"/>
-          </p:cNvSpPr>
-          <p:nvPr>
-            <p:ph type="title"/>
-          </p:nvPr>
-        </p:nvSpPr>
-        <p:spPr/>
-        <p:txBody>
-          <a:bodyPr/>
-          <a:lstStyle/>
-          <a:p>
-            <a:r>
-              <a:rPr lang="en-US" dirty="0" smtClean="0"/>
-              <a:t>Design Patterns</a:t>
-            </a:r>
-            <a:endParaRPr lang="en-US" dirty="0"/>
-          </a:p>
-        </p:txBody>
-      </p:sp>
-      <p:sp>
-        <p:nvSpPr>
-          <p:cNvPr id="3" name="Rectangle 2"/>
-          <p:cNvSpPr>
-            <a:spLocks noGrp="1"/>
-          </p:cNvSpPr>
-          <p:nvPr>
-            <p:ph idx="1"/>
-          </p:nvPr>
-        </p:nvSpPr>
-        <p:spPr/>
-        <p:txBody>
-          <a:bodyPr/>
-          <a:lstStyle/>
-          <a:p>
-            <a:r>
-              <a:rPr lang="en-US" dirty="0" smtClean="0"/>
-              <a:t>Repository Pattern</a:t>
-            </a:r>
-            <a:endParaRPr lang="en-US" dirty="0"/>
-          </a:p>
-          <a:p>
-            <a:r>
-              <a:rPr lang="en-US" dirty="0" smtClean="0"/>
-              <a:t>Data Transfer Objects (DTO) Pattern</a:t>
-            </a:r>
-          </a:p>
-        </p:txBody>
-      </p:sp>
-    </p:spTree>
-  </p:cSld>
-  <p:clrMapOvr>
-    <a:masterClrMapping/>
-  </p:clrMapOvr>
-  <p:timing>
-    <p:tnLst>
-      <p:par>
-        <p:cTn id="1" dur="indefinite" restart="never" nodeType="tmRoot"/>
-      </p:par>
-    </p:tnLst>
-  </p:timing>
-</p:sld>
-</file>
-
-<file path=ppt/slides/slide8.xml><?xml version="1.0" encoding="utf-8"?>
-<p:sld xmlns:a="http://schemas.openxmlformats.org/drawingml/2006/main" xmlns:r="http://schemas.openxmlformats.org/officeDocument/2006/relationships" xmlns:p="http://schemas.openxmlformats.org/presentationml/2006/main">
-  <p:cSld>
-    <p:spTree>
-      <p:nvGrpSpPr>
-        <p:cNvPr id="1" name=""/>
-        <p:cNvGrpSpPr/>
-        <p:nvPr/>
-      </p:nvGrpSpPr>
-      <p:grpSpPr>
-        <a:xfrm>
-          <a:off x="0" y="0"/>
-          <a:ext cx="0" cy="0"/>
-          <a:chOff x="0" y="0"/>
-          <a:chExt cx="0" cy="0"/>
-        </a:xfrm>
-      </p:grpSpPr>
-      <p:sp>
-        <p:nvSpPr>
-          <p:cNvPr id="2" name="Rectangle 1"/>
-          <p:cNvSpPr>
-            <a:spLocks noGrp="1"/>
-          </p:cNvSpPr>
-          <p:nvPr>
-            <p:ph type="title"/>
-          </p:nvPr>
-        </p:nvSpPr>
-        <p:spPr/>
-        <p:txBody>
-          <a:bodyPr/>
-          <a:lstStyle/>
-          <a:p>
-            <a:r>
-              <a:rPr lang="en-US" dirty="0" smtClean="0"/>
-              <a:t>MVC4 Project</a:t>
-            </a:r>
-            <a:endParaRPr lang="en-US" dirty="0"/>
-          </a:p>
-        </p:txBody>
-      </p:sp>
-      <p:sp>
-        <p:nvSpPr>
-          <p:cNvPr id="3" name="Rectangle 2"/>
-          <p:cNvSpPr>
-            <a:spLocks noGrp="1"/>
-          </p:cNvSpPr>
-          <p:nvPr>
-            <p:ph idx="1"/>
-          </p:nvPr>
-        </p:nvSpPr>
-        <p:spPr/>
-        <p:txBody>
-          <a:bodyPr>
-            <a:normAutofit/>
-          </a:bodyPr>
-          <a:lstStyle/>
-          <a:p>
-            <a:r>
-              <a:rPr lang="en-US" dirty="0" smtClean="0"/>
-              <a:t>Model</a:t>
-            </a:r>
-            <a:endParaRPr lang="en-US" dirty="0" smtClean="0"/>
-          </a:p>
-          <a:p>
-            <a:r>
-              <a:rPr lang="en-US" dirty="0" smtClean="0"/>
-              <a:t>View</a:t>
-            </a:r>
-          </a:p>
-          <a:p>
-            <a:r>
-              <a:rPr lang="en-US" dirty="0" smtClean="0"/>
-              <a:t>Controller</a:t>
-            </a:r>
-            <a:endParaRPr lang="en-US" dirty="0" smtClean="0"/>
-          </a:p>
-          <a:p>
-            <a:r>
-              <a:rPr lang="en-US" dirty="0" smtClean="0"/>
-              <a:t>REST API</a:t>
-            </a:r>
-          </a:p>
-          <a:p>
-            <a:r>
-              <a:rPr lang="en-US" dirty="0" err="1" smtClean="0"/>
-              <a:t>Javascript</a:t>
-            </a:r>
-            <a:endParaRPr lang="en-US" dirty="0" smtClean="0"/>
-          </a:p>
-          <a:p>
-            <a:r>
-              <a:rPr lang="en-US" dirty="0" err="1" smtClean="0"/>
-              <a:t>jQuery</a:t>
-            </a:r>
-            <a:endParaRPr lang="en-US" dirty="0" smtClean="0"/>
-          </a:p>
-          <a:p>
-            <a:r>
-              <a:rPr lang="en-US" dirty="0" err="1" smtClean="0"/>
-              <a:t>jQuery</a:t>
-            </a:r>
-            <a:r>
-              <a:rPr lang="en-US" dirty="0" smtClean="0"/>
-              <a:t> </a:t>
-            </a:r>
-            <a:r>
-              <a:rPr lang="en-US" dirty="0" err="1" smtClean="0"/>
-              <a:t>Datatables</a:t>
-            </a:r>
-            <a:endParaRPr lang="en-US" dirty="0" smtClean="0"/>
-          </a:p>
-          <a:p>
-            <a:r>
-              <a:rPr lang="en-US" dirty="0" smtClean="0"/>
-              <a:t>Twitter Bootstrap 3</a:t>
-            </a:r>
-          </a:p>
-          <a:p>
-            <a:r>
-              <a:rPr lang="en-US" dirty="0" smtClean="0"/>
-              <a:t>HTML5</a:t>
-            </a:r>
-            <a:endParaRPr lang="en-US" dirty="0"/>
-          </a:p>
-        </p:txBody>
-      </p:sp>
-    </p:spTree>
-  </p:cSld>
-  <p:clrMapOvr>
-    <a:masterClrMapping/>
-  </p:clrMapOvr>
-  <p:timing>
-    <p:tnLst>
-      <p:par>
-        <p:cTn id="1" dur="indefinite" restart="never" nodeType="tmRoot"/>
-      </p:par>
-    </p:tnLst>
-  </p:timing>
-</p:sld>
-</file>
-
-<file path=ppt/slides/slide9.xml><?xml version="1.0" encoding="utf-8"?>
-<p:sld xmlns:a="http://schemas.openxmlformats.org/drawingml/2006/main" xmlns:r="http://schemas.openxmlformats.org/officeDocument/2006/relationships" xmlns:p="http://schemas.openxmlformats.org/presentationml/2006/main">
-  <p:cSld>
-    <p:spTree>
-      <p:nvGrpSpPr>
-        <p:cNvPr id="1" name=""/>
-        <p:cNvGrpSpPr/>
-        <p:nvPr/>
-      </p:nvGrpSpPr>
-      <p:grpSpPr>
-        <a:xfrm>
-          <a:off x="0" y="0"/>
-          <a:ext cx="0" cy="0"/>
-          <a:chOff x="0" y="0"/>
-          <a:chExt cx="0" cy="0"/>
-        </a:xfrm>
-      </p:grpSpPr>
-      <p:sp>
-        <p:nvSpPr>
-          <p:cNvPr id="2" name="Rectangle 1"/>
-          <p:cNvSpPr>
-            <a:spLocks noGrp="1"/>
-          </p:cNvSpPr>
-          <p:nvPr>
-            <p:ph type="title"/>
-          </p:nvPr>
-        </p:nvSpPr>
-        <p:spPr/>
-        <p:txBody>
-          <a:bodyPr/>
-          <a:lstStyle/>
-          <a:p>
-            <a:r>
-              <a:rPr lang="en-US" dirty="0" smtClean="0"/>
-              <a:t>Unit Testing</a:t>
-            </a:r>
-            <a:endParaRPr lang="en-US" dirty="0"/>
-          </a:p>
-        </p:txBody>
-      </p:sp>
-      <p:sp>
-        <p:nvSpPr>
-          <p:cNvPr id="3" name="Rectangle 2"/>
-          <p:cNvSpPr>
-            <a:spLocks noGrp="1"/>
-          </p:cNvSpPr>
-          <p:nvPr>
-            <p:ph idx="1"/>
-          </p:nvPr>
-        </p:nvSpPr>
-        <p:spPr/>
-        <p:txBody>
-          <a:bodyPr>
-            <a:normAutofit/>
-          </a:bodyPr>
-          <a:lstStyle/>
-          <a:p>
-            <a:r>
-              <a:rPr lang="en-US" dirty="0" smtClean="0"/>
-              <a:t>Visual Studio Unit Test</a:t>
-            </a:r>
-            <a:endParaRPr lang="en-US" dirty="0" smtClean="0"/>
-          </a:p>
-          <a:p>
-            <a:r>
-              <a:rPr lang="en-US" dirty="0" smtClean="0"/>
-              <a:t>Jasmine Unit Test</a:t>
-            </a:r>
-            <a:endParaRPr lang="en-US" dirty="0" smtClean="0"/>
-          </a:p>
-        </p:txBody>
-      </p:sp>
-    </p:spTree>
-    <p:extLst>
-      <p:ext uri="{BB962C8B-B14F-4D97-AF65-F5344CB8AC3E}">
-        <p14:creationId xmlns:p14="http://schemas.microsoft.com/office/powerpoint/2010/main" val="533707467"/>
-      </p:ext>
-    </p:extLst>
   </p:cSld>
   <p:clrMapOvr>
     <a:masterClrMapping/>

--- a/Main/Docs/AddressBookDemo.pptx
+++ b/Main/Docs/AddressBookDemo.pptx
@@ -226,7 +226,7 @@
             <a:fld id="{3842907C-D0AA-4C58-9F94-58B40AD65B29}" type="datetimeFigureOut">
               <a:rPr lang="en-US" smtClean="0"/>
               <a:pPr/>
-              <a:t>9/11/2013</a:t>
+              <a:t>9/12/2013</a:t>
             </a:fld>
             <a:endParaRPr lang="en-US"/>
           </a:p>
@@ -2690,7 +2690,7 @@
             <a:fld id="{E6E13C79-1C97-4B32-B2AE-1A69C169643E}" type="datetime2">
               <a:rPr lang="en-US" smtClean="0"/>
               <a:pPr/>
-              <a:t>Wednesday, September 11, 2013</a:t>
+              <a:t>Thursday, September 12, 2013</a:t>
             </a:fld>
             <a:endParaRPr lang="en-US" dirty="0">
               <a:solidFill>
@@ -2902,7 +2902,7 @@
             <a:fld id="{D10E14BF-C004-4398-9186-5EE680724D95}" type="datetime2">
               <a:rPr lang="en-US" smtClean="0"/>
               <a:pPr/>
-              <a:t>Wednesday, September 11, 2013</a:t>
+              <a:t>Thursday, September 12, 2013</a:t>
             </a:fld>
             <a:endParaRPr lang="en-US"/>
           </a:p>
@@ -3095,7 +3095,7 @@
             <a:fld id="{D10E14BF-C004-4398-9186-5EE680724D95}" type="datetime2">
               <a:rPr lang="en-US" smtClean="0"/>
               <a:pPr/>
-              <a:t>Wednesday, September 11, 2013</a:t>
+              <a:t>Thursday, September 12, 2013</a:t>
             </a:fld>
             <a:endParaRPr lang="en-US"/>
           </a:p>
@@ -3253,7 +3253,7 @@
             <a:fld id="{227FEF5B-F2CC-4EC5-8F1F-29A8BF9EFFA9}" type="datetime2">
               <a:rPr lang="en-US" smtClean="0"/>
               <a:pPr/>
-              <a:t>Wednesday, September 11, 2013</a:t>
+              <a:t>Thursday, September 12, 2013</a:t>
             </a:fld>
             <a:endParaRPr lang="en-US"/>
           </a:p>
@@ -3510,7 +3510,7 @@
             <a:fld id="{5F4709C1-563D-4D9C-B702-B64C84A5A174}" type="datetime2">
               <a:rPr lang="en-US" smtClean="0"/>
               <a:pPr/>
-              <a:t>Wednesday, September 11, 2013</a:t>
+              <a:t>Thursday, September 12, 2013</a:t>
             </a:fld>
             <a:endParaRPr lang="en-US"/>
           </a:p>
@@ -3921,7 +3921,7 @@
             <a:fld id="{2E8303D9-A6EB-41FB-BF22-3F49E470997E}" type="datetime2">
               <a:rPr lang="en-US" smtClean="0"/>
               <a:pPr/>
-              <a:t>Wednesday, September 11, 2013</a:t>
+              <a:t>Thursday, September 12, 2013</a:t>
             </a:fld>
             <a:endParaRPr lang="en-US"/>
           </a:p>
@@ -4369,7 +4369,7 @@
             <a:fld id="{89BB0534-5698-4F62-9CFE-5DE61A073E78}" type="datetime2">
               <a:rPr lang="en-US" smtClean="0"/>
               <a:pPr/>
-              <a:t>Wednesday, September 11, 2013</a:t>
+              <a:t>Thursday, September 12, 2013</a:t>
             </a:fld>
             <a:endParaRPr lang="en-US"/>
           </a:p>
@@ -4472,7 +4472,7 @@
             <a:fld id="{084827A3-B249-4F87-AB1A-1E06AC1AA2A4}" type="datetime2">
               <a:rPr lang="en-US" smtClean="0"/>
               <a:pPr/>
-              <a:t>Wednesday, September 11, 2013</a:t>
+              <a:t>Thursday, September 12, 2013</a:t>
             </a:fld>
             <a:endParaRPr lang="en-US"/>
           </a:p>
@@ -4595,7 +4595,7 @@
             <a:fld id="{B1546142-29B2-49CC-BCC6-A3AD70B4960E}" type="datetime2">
               <a:rPr lang="en-US" smtClean="0"/>
               <a:pPr/>
-              <a:t>Wednesday, September 11, 2013</a:t>
+              <a:t>Thursday, September 12, 2013</a:t>
             </a:fld>
             <a:endParaRPr lang="en-US"/>
           </a:p>
@@ -4871,7 +4871,7 @@
             <a:fld id="{E86C4691-4882-40A8-AF62-8CF6A18D40B2}" type="datetime2">
               <a:rPr lang="en-US" smtClean="0"/>
               <a:pPr/>
-              <a:t>Wednesday, September 11, 2013</a:t>
+              <a:t>Thursday, September 12, 2013</a:t>
             </a:fld>
             <a:endParaRPr lang="en-US"/>
           </a:p>
@@ -5078,7 +5078,7 @@
             <a:fld id="{61C6776A-4DEC-47EE-8A49-2C150ECB5465}" type="datetime2">
               <a:rPr lang="en-US" smtClean="0"/>
               <a:pPr/>
-              <a:t>Wednesday, September 11, 2013</a:t>
+              <a:t>Thursday, September 12, 2013</a:t>
             </a:fld>
             <a:endParaRPr lang="en-US">
               <a:solidFill>
@@ -6201,7 +6201,7 @@
             <a:fld id="{D10E14BF-C004-4398-9186-5EE680724D95}" type="datetime2">
               <a:rPr lang="en-US" smtClean="0"/>
               <a:pPr/>
-              <a:t>Wednesday, September 11, 2013</a:t>
+              <a:t>Thursday, September 12, 2013</a:t>
             </a:fld>
             <a:endParaRPr lang="en-US" sz="1000" dirty="0">
               <a:solidFill>
@@ -6745,13 +6745,6 @@
           <a:lstStyle/>
           <a:p>
             <a:r>
-              <a:rPr lang="en-US" dirty="0" err="1" smtClean="0"/>
-              <a:t>AddressBook.Lib</a:t>
-            </a:r>
-            <a:endParaRPr lang="en-US" dirty="0" smtClean="0"/>
-          </a:p>
-          <a:p>
-            <a:r>
               <a:rPr lang="en-US" dirty="0" smtClean="0"/>
               <a:t>ADO.NET</a:t>
             </a:r>
@@ -6841,17 +6834,6 @@
         <p:txBody>
           <a:bodyPr/>
           <a:lstStyle/>
-          <a:p>
-            <a:r>
-              <a:rPr lang="en-US" dirty="0" err="1" smtClean="0"/>
-              <a:t>AddressBook.Lib</a:t>
-            </a:r>
-            <a:r>
-              <a:rPr lang="en-US" dirty="0" err="1" smtClean="0"/>
-              <a:t>.BLL</a:t>
-            </a:r>
-            <a:endParaRPr lang="en-US" dirty="0" smtClean="0"/>
-          </a:p>
           <a:p>
             <a:r>
               <a:rPr lang="en-US" dirty="0" smtClean="0"/>
@@ -7765,16 +7747,11 @@
               <a:rPr lang="en-US" dirty="0" smtClean="0"/>
               <a:t>Database</a:t>
             </a:r>
-            <a:endParaRPr lang="en-US" dirty="0" smtClean="0"/>
-          </a:p>
-          <a:p>
-            <a:r>
-              <a:rPr lang="en-US" dirty="0" smtClean="0"/>
-              <a:t>Domain </a:t>
-            </a:r>
-            <a:r>
-              <a:rPr lang="en-US" dirty="0" smtClean="0"/>
-              <a:t>Model</a:t>
+          </a:p>
+          <a:p>
+            <a:r>
+              <a:rPr lang="en-US" dirty="0" smtClean="0"/>
+              <a:t>Domain Model</a:t>
             </a:r>
           </a:p>
           <a:p>
@@ -7788,18 +7765,12 @@
               <a:rPr lang="en-US" dirty="0" smtClean="0"/>
               <a:t>Business Logic Layer</a:t>
             </a:r>
-            <a:endParaRPr lang="en-US" dirty="0" smtClean="0"/>
-          </a:p>
-          <a:p>
-            <a:r>
-              <a:rPr lang="en-US" dirty="0" smtClean="0"/>
-              <a:t>Design </a:t>
-            </a:r>
-            <a:r>
-              <a:rPr lang="en-US" dirty="0" smtClean="0"/>
-              <a:t>Patterns</a:t>
-            </a:r>
-            <a:endParaRPr lang="en-US" dirty="0" smtClean="0"/>
+          </a:p>
+          <a:p>
+            <a:r>
+              <a:rPr lang="en-US" dirty="0" smtClean="0"/>
+              <a:t>Design Patterns</a:t>
+            </a:r>
           </a:p>
         </p:txBody>
       </p:sp>
